--- a/00.기획서/221020_팝업UI시스템 기획서_V100.pptx
+++ b/00.기획서/221020_팝업UI시스템 기획서_V100.pptx
@@ -13,9 +13,10 @@
     <p:sldId id="264" r:id="rId7"/>
     <p:sldId id="260" r:id="rId8"/>
     <p:sldId id="261" r:id="rId9"/>
-    <p:sldId id="265" r:id="rId10"/>
-    <p:sldId id="267" r:id="rId11"/>
-    <p:sldId id="268" r:id="rId12"/>
+    <p:sldId id="269" r:id="rId10"/>
+    <p:sldId id="265" r:id="rId11"/>
+    <p:sldId id="267" r:id="rId12"/>
+    <p:sldId id="268" r:id="rId13"/>
   </p:sldIdLst>
   <p:sldSz cx="12192000" cy="6858000"/>
   <p:notesSz cx="6858000" cy="9144000"/>
@@ -114,6 +115,11 @@
       </a:defRPr>
     </a:lvl9pPr>
   </p:defaultTextStyle>
+  <p:extLst>
+    <p:ext uri="{EFAFB233-063F-42B5-8137-9DF3F51BA10A}">
+      <p15:sldGuideLst xmlns:p15="http://schemas.microsoft.com/office/powerpoint/2012/main"/>
+    </p:ext>
+  </p:extLst>
 </p:presentation>
 </file>
 
@@ -248,7 +254,7 @@
           <a:p>
             <a:fld id="{23371DCC-86D8-407E-BFE8-EAA3C6A0F810}" type="datetimeFigureOut">
               <a:rPr lang="ko-KR" altLang="en-US" smtClean="0"/>
-              <a:t>2022-10-20</a:t>
+              <a:t>2022-10-21</a:t>
             </a:fld>
             <a:endParaRPr lang="ko-KR" altLang="en-US"/>
           </a:p>
@@ -418,7 +424,7 @@
           <a:p>
             <a:fld id="{23371DCC-86D8-407E-BFE8-EAA3C6A0F810}" type="datetimeFigureOut">
               <a:rPr lang="ko-KR" altLang="en-US" smtClean="0"/>
-              <a:t>2022-10-20</a:t>
+              <a:t>2022-10-21</a:t>
             </a:fld>
             <a:endParaRPr lang="ko-KR" altLang="en-US"/>
           </a:p>
@@ -598,7 +604,7 @@
           <a:p>
             <a:fld id="{23371DCC-86D8-407E-BFE8-EAA3C6A0F810}" type="datetimeFigureOut">
               <a:rPr lang="ko-KR" altLang="en-US" smtClean="0"/>
-              <a:t>2022-10-20</a:t>
+              <a:t>2022-10-21</a:t>
             </a:fld>
             <a:endParaRPr lang="ko-KR" altLang="en-US"/>
           </a:p>
@@ -768,7 +774,7 @@
           <a:p>
             <a:fld id="{23371DCC-86D8-407E-BFE8-EAA3C6A0F810}" type="datetimeFigureOut">
               <a:rPr lang="ko-KR" altLang="en-US" smtClean="0"/>
-              <a:t>2022-10-20</a:t>
+              <a:t>2022-10-21</a:t>
             </a:fld>
             <a:endParaRPr lang="ko-KR" altLang="en-US"/>
           </a:p>
@@ -1014,7 +1020,7 @@
           <a:p>
             <a:fld id="{23371DCC-86D8-407E-BFE8-EAA3C6A0F810}" type="datetimeFigureOut">
               <a:rPr lang="ko-KR" altLang="en-US" smtClean="0"/>
-              <a:t>2022-10-20</a:t>
+              <a:t>2022-10-21</a:t>
             </a:fld>
             <a:endParaRPr lang="ko-KR" altLang="en-US"/>
           </a:p>
@@ -1246,7 +1252,7 @@
           <a:p>
             <a:fld id="{23371DCC-86D8-407E-BFE8-EAA3C6A0F810}" type="datetimeFigureOut">
               <a:rPr lang="ko-KR" altLang="en-US" smtClean="0"/>
-              <a:t>2022-10-20</a:t>
+              <a:t>2022-10-21</a:t>
             </a:fld>
             <a:endParaRPr lang="ko-KR" altLang="en-US"/>
           </a:p>
@@ -1613,7 +1619,7 @@
           <a:p>
             <a:fld id="{23371DCC-86D8-407E-BFE8-EAA3C6A0F810}" type="datetimeFigureOut">
               <a:rPr lang="ko-KR" altLang="en-US" smtClean="0"/>
-              <a:t>2022-10-20</a:t>
+              <a:t>2022-10-21</a:t>
             </a:fld>
             <a:endParaRPr lang="ko-KR" altLang="en-US"/>
           </a:p>
@@ -1731,7 +1737,7 @@
           <a:p>
             <a:fld id="{23371DCC-86D8-407E-BFE8-EAA3C6A0F810}" type="datetimeFigureOut">
               <a:rPr lang="ko-KR" altLang="en-US" smtClean="0"/>
-              <a:t>2022-10-20</a:t>
+              <a:t>2022-10-21</a:t>
             </a:fld>
             <a:endParaRPr lang="ko-KR" altLang="en-US"/>
           </a:p>
@@ -1826,7 +1832,7 @@
           <a:p>
             <a:fld id="{23371DCC-86D8-407E-BFE8-EAA3C6A0F810}" type="datetimeFigureOut">
               <a:rPr lang="ko-KR" altLang="en-US" smtClean="0"/>
-              <a:t>2022-10-20</a:t>
+              <a:t>2022-10-21</a:t>
             </a:fld>
             <a:endParaRPr lang="ko-KR" altLang="en-US"/>
           </a:p>
@@ -2103,7 +2109,7 @@
           <a:p>
             <a:fld id="{23371DCC-86D8-407E-BFE8-EAA3C6A0F810}" type="datetimeFigureOut">
               <a:rPr lang="ko-KR" altLang="en-US" smtClean="0"/>
-              <a:t>2022-10-20</a:t>
+              <a:t>2022-10-21</a:t>
             </a:fld>
             <a:endParaRPr lang="ko-KR" altLang="en-US"/>
           </a:p>
@@ -2356,7 +2362,7 @@
           <a:p>
             <a:fld id="{23371DCC-86D8-407E-BFE8-EAA3C6A0F810}" type="datetimeFigureOut">
               <a:rPr lang="ko-KR" altLang="en-US" smtClean="0"/>
-              <a:t>2022-10-20</a:t>
+              <a:t>2022-10-21</a:t>
             </a:fld>
             <a:endParaRPr lang="ko-KR" altLang="en-US"/>
           </a:p>
@@ -2569,7 +2575,7 @@
           <a:p>
             <a:fld id="{23371DCC-86D8-407E-BFE8-EAA3C6A0F810}" type="datetimeFigureOut">
               <a:rPr lang="ko-KR" altLang="en-US" smtClean="0"/>
-              <a:t>2022-10-20</a:t>
+              <a:t>2022-10-21</a:t>
             </a:fld>
             <a:endParaRPr lang="ko-KR" altLang="en-US"/>
           </a:p>
@@ -3815,7 +3821,7 @@
         </p:nvSpPr>
         <p:spPr>
           <a:xfrm>
-            <a:off x="1003775" y="5782823"/>
+            <a:off x="3267037" y="4879973"/>
             <a:ext cx="1927860" cy="807720"/>
           </a:xfrm>
           <a:prstGeom prst="rect">
@@ -3845,7 +3851,67 @@
             <a:pPr algn="ctr"/>
             <a:r>
               <a:rPr lang="ko-KR" altLang="en-US" dirty="0" smtClean="0"/>
-              <a:t>캐릭터 대사 </a:t>
+              <a:t>캐릭터 </a:t>
+            </a:r>
+            <a:r>
+              <a:rPr lang="ko-KR" altLang="en-US" dirty="0" smtClean="0"/>
+              <a:t>대화 </a:t>
+            </a:r>
+            <a:r>
+              <a:rPr lang="en-US" altLang="ko-KR" dirty="0" smtClean="0"/>
+              <a:t>UI</a:t>
+            </a:r>
+            <a:endParaRPr lang="ko-KR" altLang="en-US" dirty="0"/>
+          </a:p>
+        </p:txBody>
+      </p:sp>
+      <p:sp>
+        <p:nvSpPr>
+          <p:cNvPr id="22" name="직사각형 21"/>
+          <p:cNvSpPr/>
+          <p:nvPr/>
+        </p:nvSpPr>
+        <p:spPr>
+          <a:xfrm>
+            <a:off x="3259455" y="3953707"/>
+            <a:ext cx="1927860" cy="807720"/>
+          </a:xfrm>
+          <a:prstGeom prst="rect">
+            <a:avLst/>
+          </a:prstGeom>
+        </p:spPr>
+        <p:style>
+          <a:lnRef idx="2">
+            <a:schemeClr val="accent1">
+              <a:shade val="50000"/>
+            </a:schemeClr>
+          </a:lnRef>
+          <a:fillRef idx="1">
+            <a:schemeClr val="accent1"/>
+          </a:fillRef>
+          <a:effectRef idx="0">
+            <a:schemeClr val="accent1"/>
+          </a:effectRef>
+          <a:fontRef idx="minor">
+            <a:schemeClr val="lt1"/>
+          </a:fontRef>
+        </p:style>
+        <p:txBody>
+          <a:bodyPr rtlCol="0" anchor="ctr"/>
+          <a:lstStyle/>
+          <a:p>
+            <a:pPr algn="ctr"/>
+            <a:r>
+              <a:rPr lang="ko-KR" altLang="en-US" dirty="0" smtClean="0"/>
+              <a:t>취향 맞추기 </a:t>
+            </a:r>
+            <a:endParaRPr lang="en-US" altLang="ko-KR" dirty="0" smtClean="0"/>
+          </a:p>
+          <a:p>
+            <a:pPr algn="ctr"/>
+            <a:r>
+              <a:rPr lang="ko-KR" altLang="en-US" dirty="0" smtClean="0"/>
+              <a:t>선택지 </a:t>
             </a:r>
             <a:r>
               <a:rPr lang="en-US" altLang="ko-KR" dirty="0" smtClean="0"/>
@@ -3887,18 +3953,24 @@
       </p:grpSpPr>
       <p:sp>
         <p:nvSpPr>
-          <p:cNvPr id="2" name="직사각형 1"/>
+          <p:cNvPr id="7" name="직사각형 6"/>
           <p:cNvSpPr/>
           <p:nvPr/>
         </p:nvSpPr>
         <p:spPr>
           <a:xfrm>
-            <a:off x="689450" y="429773"/>
-            <a:ext cx="1927860" cy="807720"/>
-          </a:xfrm>
-          <a:prstGeom prst="rect">
-            <a:avLst/>
-          </a:prstGeom>
+            <a:off x="4579620" y="1337310"/>
+            <a:ext cx="2602230" cy="3901440"/>
+          </a:xfrm>
+          <a:prstGeom prst="rect">
+            <a:avLst/>
+          </a:prstGeom>
+          <a:solidFill>
+            <a:schemeClr val="accent5">
+              <a:lumMod val="20000"/>
+              <a:lumOff val="80000"/>
+            </a:schemeClr>
+          </a:solidFill>
         </p:spPr>
         <p:style>
           <a:lnRef idx="2">
@@ -3921,9 +3993,1433 @@
           <a:lstStyle/>
           <a:p>
             <a:pPr algn="ctr"/>
-            <a:r>
-              <a:rPr lang="ko-KR" altLang="en-US" dirty="0" smtClean="0"/>
-              <a:t>캐릭터 대사 </a:t>
+            <a:endParaRPr lang="en-US" altLang="ko-KR" dirty="0" smtClean="0"/>
+          </a:p>
+        </p:txBody>
+      </p:sp>
+      <p:sp>
+        <p:nvSpPr>
+          <p:cNvPr id="2" name="직사각형 1"/>
+          <p:cNvSpPr/>
+          <p:nvPr/>
+        </p:nvSpPr>
+        <p:spPr>
+          <a:xfrm>
+            <a:off x="1313180" y="436880"/>
+            <a:ext cx="1927860" cy="807720"/>
+          </a:xfrm>
+          <a:prstGeom prst="rect">
+            <a:avLst/>
+          </a:prstGeom>
+        </p:spPr>
+        <p:style>
+          <a:lnRef idx="2">
+            <a:schemeClr val="accent1">
+              <a:shade val="50000"/>
+            </a:schemeClr>
+          </a:lnRef>
+          <a:fillRef idx="1">
+            <a:schemeClr val="accent1"/>
+          </a:fillRef>
+          <a:effectRef idx="0">
+            <a:schemeClr val="accent1"/>
+          </a:effectRef>
+          <a:fontRef idx="minor">
+            <a:schemeClr val="lt1"/>
+          </a:fontRef>
+        </p:style>
+        <p:txBody>
+          <a:bodyPr rtlCol="0" anchor="ctr"/>
+          <a:lstStyle/>
+          <a:p>
+            <a:pPr algn="ctr"/>
+            <a:r>
+              <a:rPr lang="ko-KR" altLang="en-US" dirty="0" smtClean="0"/>
+              <a:t>방명록 이벤트</a:t>
+            </a:r>
+            <a:endParaRPr lang="en-US" altLang="ko-KR" dirty="0" smtClean="0"/>
+          </a:p>
+          <a:p>
+            <a:pPr algn="ctr"/>
+            <a:r>
+              <a:rPr lang="ko-KR" altLang="en-US" dirty="0" smtClean="0"/>
+              <a:t>진행 중 </a:t>
+            </a:r>
+            <a:r>
+              <a:rPr lang="en-US" altLang="ko-KR" dirty="0" smtClean="0"/>
+              <a:t>UI</a:t>
+            </a:r>
+            <a:endParaRPr lang="ko-KR" altLang="en-US" dirty="0"/>
+          </a:p>
+        </p:txBody>
+      </p:sp>
+      <p:pic>
+        <p:nvPicPr>
+          <p:cNvPr id="3" name="그림 2"/>
+          <p:cNvPicPr>
+            <a:picLocks noChangeAspect="1"/>
+          </p:cNvPicPr>
+          <p:nvPr/>
+        </p:nvPicPr>
+        <p:blipFill>
+          <a:blip r:embed="rId2">
+            <a:extLst>
+              <a:ext uri="{BEBA8EAE-BF5A-486C-A8C5-ECC9F3942E4B}">
+                <a14:imgProps xmlns:a14="http://schemas.microsoft.com/office/drawing/2010/main">
+                  <a14:imgLayer r:embed="rId3">
+                    <a14:imgEffect>
+                      <a14:backgroundRemoval t="0" b="98870" l="562" r="95506"/>
+                    </a14:imgEffect>
+                  </a14:imgLayer>
+                </a14:imgProps>
+              </a:ext>
+            </a:extLst>
+          </a:blip>
+          <a:stretch>
+            <a:fillRect/>
+          </a:stretch>
+        </p:blipFill>
+        <p:spPr>
+          <a:xfrm>
+            <a:off x="4278630" y="114300"/>
+            <a:ext cx="3390900" cy="6743700"/>
+          </a:xfrm>
+          <a:prstGeom prst="rect">
+            <a:avLst/>
+          </a:prstGeom>
+        </p:spPr>
+      </p:pic>
+      <p:sp>
+        <p:nvSpPr>
+          <p:cNvPr id="4" name="직사각형 3"/>
+          <p:cNvSpPr/>
+          <p:nvPr/>
+        </p:nvSpPr>
+        <p:spPr>
+          <a:xfrm>
+            <a:off x="4732020" y="2070735"/>
+            <a:ext cx="2331720" cy="2491740"/>
+          </a:xfrm>
+          <a:prstGeom prst="rect">
+            <a:avLst/>
+          </a:prstGeom>
+          <a:solidFill>
+            <a:schemeClr val="accent5">
+              <a:lumMod val="40000"/>
+              <a:lumOff val="60000"/>
+            </a:schemeClr>
+          </a:solidFill>
+        </p:spPr>
+        <p:style>
+          <a:lnRef idx="2">
+            <a:schemeClr val="accent1">
+              <a:shade val="50000"/>
+            </a:schemeClr>
+          </a:lnRef>
+          <a:fillRef idx="1">
+            <a:schemeClr val="accent1"/>
+          </a:fillRef>
+          <a:effectRef idx="0">
+            <a:schemeClr val="accent1"/>
+          </a:effectRef>
+          <a:fontRef idx="minor">
+            <a:schemeClr val="lt1"/>
+          </a:fontRef>
+        </p:style>
+        <p:txBody>
+          <a:bodyPr rtlCol="0" anchor="ctr"/>
+          <a:lstStyle/>
+          <a:p>
+            <a:pPr algn="ctr"/>
+            <a:r>
+              <a:rPr lang="en-US" altLang="ko-KR" dirty="0" smtClean="0"/>
+              <a:t>Touch board</a:t>
+            </a:r>
+          </a:p>
+          <a:p>
+            <a:pPr algn="ctr"/>
+            <a:r>
+              <a:rPr lang="ko-KR" altLang="en-US" dirty="0" smtClean="0"/>
+              <a:t>터치보드</a:t>
+            </a:r>
+            <a:endParaRPr lang="en-US" altLang="ko-KR" dirty="0" smtClean="0"/>
+          </a:p>
+        </p:txBody>
+      </p:sp>
+      <p:sp>
+        <p:nvSpPr>
+          <p:cNvPr id="5" name="직사각형 4"/>
+          <p:cNvSpPr/>
+          <p:nvPr/>
+        </p:nvSpPr>
+        <p:spPr>
+          <a:xfrm>
+            <a:off x="5267006" y="4659399"/>
+            <a:ext cx="1261745" cy="419001"/>
+          </a:xfrm>
+          <a:prstGeom prst="rect">
+            <a:avLst/>
+          </a:prstGeom>
+        </p:spPr>
+        <p:style>
+          <a:lnRef idx="1">
+            <a:schemeClr val="accent1"/>
+          </a:lnRef>
+          <a:fillRef idx="2">
+            <a:schemeClr val="accent1"/>
+          </a:fillRef>
+          <a:effectRef idx="1">
+            <a:schemeClr val="accent1"/>
+          </a:effectRef>
+          <a:fontRef idx="minor">
+            <a:schemeClr val="dk1"/>
+          </a:fontRef>
+        </p:style>
+        <p:txBody>
+          <a:bodyPr rtlCol="0" anchor="ctr"/>
+          <a:lstStyle/>
+          <a:p>
+            <a:pPr algn="ctr"/>
+            <a:r>
+              <a:rPr lang="ko-KR" altLang="en-US" dirty="0" smtClean="0"/>
+              <a:t>적용</a:t>
+            </a:r>
+            <a:endParaRPr lang="ko-KR" altLang="en-US" dirty="0"/>
+          </a:p>
+        </p:txBody>
+      </p:sp>
+      <p:sp>
+        <p:nvSpPr>
+          <p:cNvPr id="6" name="직사각형 5"/>
+          <p:cNvSpPr/>
+          <p:nvPr/>
+        </p:nvSpPr>
+        <p:spPr>
+          <a:xfrm>
+            <a:off x="5267006" y="1553434"/>
+            <a:ext cx="1261745" cy="419001"/>
+          </a:xfrm>
+          <a:prstGeom prst="rect">
+            <a:avLst/>
+          </a:prstGeom>
+        </p:spPr>
+        <p:style>
+          <a:lnRef idx="1">
+            <a:schemeClr val="accent1"/>
+          </a:lnRef>
+          <a:fillRef idx="2">
+            <a:schemeClr val="accent1"/>
+          </a:fillRef>
+          <a:effectRef idx="1">
+            <a:schemeClr val="accent1"/>
+          </a:effectRef>
+          <a:fontRef idx="minor">
+            <a:schemeClr val="dk1"/>
+          </a:fontRef>
+        </p:style>
+        <p:txBody>
+          <a:bodyPr rtlCol="0" anchor="ctr"/>
+          <a:lstStyle/>
+          <a:p>
+            <a:pPr algn="ctr"/>
+            <a:r>
+              <a:rPr lang="ko-KR" altLang="en-US" dirty="0" smtClean="0"/>
+              <a:t>방명록</a:t>
+            </a:r>
+            <a:endParaRPr lang="ko-KR" altLang="en-US" dirty="0"/>
+          </a:p>
+        </p:txBody>
+      </p:sp>
+      <p:sp>
+        <p:nvSpPr>
+          <p:cNvPr id="8" name="타원 7"/>
+          <p:cNvSpPr/>
+          <p:nvPr/>
+        </p:nvSpPr>
+        <p:spPr>
+          <a:xfrm>
+            <a:off x="6678770" y="1404844"/>
+            <a:ext cx="459740" cy="431899"/>
+          </a:xfrm>
+          <a:prstGeom prst="ellipse">
+            <a:avLst/>
+          </a:prstGeom>
+          <a:solidFill>
+            <a:schemeClr val="accent5"/>
+          </a:solidFill>
+          <a:ln>
+            <a:noFill/>
+          </a:ln>
+        </p:spPr>
+        <p:style>
+          <a:lnRef idx="2">
+            <a:schemeClr val="dk1">
+              <a:shade val="50000"/>
+            </a:schemeClr>
+          </a:lnRef>
+          <a:fillRef idx="1">
+            <a:schemeClr val="dk1"/>
+          </a:fillRef>
+          <a:effectRef idx="0">
+            <a:schemeClr val="dk1"/>
+          </a:effectRef>
+          <a:fontRef idx="minor">
+            <a:schemeClr val="lt1"/>
+          </a:fontRef>
+        </p:style>
+        <p:txBody>
+          <a:bodyPr rtlCol="0" anchor="ctr"/>
+          <a:lstStyle/>
+          <a:p>
+            <a:pPr algn="ctr"/>
+            <a:r>
+              <a:rPr lang="en-US" altLang="ko-KR" dirty="0" smtClean="0"/>
+              <a:t>X</a:t>
+            </a:r>
+            <a:endParaRPr lang="ko-KR" altLang="en-US" dirty="0"/>
+          </a:p>
+        </p:txBody>
+      </p:sp>
+      <p:sp>
+        <p:nvSpPr>
+          <p:cNvPr id="12" name="TextBox 11"/>
+          <p:cNvSpPr txBox="1"/>
+          <p:nvPr/>
+        </p:nvSpPr>
+        <p:spPr>
+          <a:xfrm>
+            <a:off x="7980996" y="1510770"/>
+            <a:ext cx="3632200" cy="923330"/>
+          </a:xfrm>
+          <a:prstGeom prst="rect">
+            <a:avLst/>
+          </a:prstGeom>
+          <a:noFill/>
+        </p:spPr>
+        <p:txBody>
+          <a:bodyPr wrap="square" rtlCol="0">
+            <a:spAutoFit/>
+          </a:bodyPr>
+          <a:lstStyle/>
+          <a:p>
+            <a:r>
+              <a:rPr lang="ko-KR" altLang="en-US" dirty="0" smtClean="0"/>
+              <a:t>해당 팝업은 방명록 이벤트 시작 대사가 전부 출력하고 나서 등장한다</a:t>
+            </a:r>
+            <a:r>
+              <a:rPr lang="en-US" altLang="ko-KR" dirty="0" smtClean="0"/>
+              <a:t>. </a:t>
+            </a:r>
+          </a:p>
+        </p:txBody>
+      </p:sp>
+      <p:sp>
+        <p:nvSpPr>
+          <p:cNvPr id="13" name="타원 12"/>
+          <p:cNvSpPr/>
+          <p:nvPr/>
+        </p:nvSpPr>
+        <p:spPr>
+          <a:xfrm>
+            <a:off x="7521256" y="1510770"/>
+            <a:ext cx="459740" cy="431899"/>
+          </a:xfrm>
+          <a:prstGeom prst="ellipse">
+            <a:avLst/>
+          </a:prstGeom>
+        </p:spPr>
+        <p:style>
+          <a:lnRef idx="2">
+            <a:schemeClr val="dk1">
+              <a:shade val="50000"/>
+            </a:schemeClr>
+          </a:lnRef>
+          <a:fillRef idx="1">
+            <a:schemeClr val="dk1"/>
+          </a:fillRef>
+          <a:effectRef idx="0">
+            <a:schemeClr val="dk1"/>
+          </a:effectRef>
+          <a:fontRef idx="minor">
+            <a:schemeClr val="lt1"/>
+          </a:fontRef>
+        </p:style>
+        <p:txBody>
+          <a:bodyPr rtlCol="0" anchor="ctr"/>
+          <a:lstStyle/>
+          <a:p>
+            <a:pPr algn="ctr"/>
+            <a:r>
+              <a:rPr lang="en-US" altLang="ko-KR" dirty="0" smtClean="0"/>
+              <a:t>1</a:t>
+            </a:r>
+            <a:endParaRPr lang="ko-KR" altLang="en-US" dirty="0"/>
+          </a:p>
+        </p:txBody>
+      </p:sp>
+      <p:sp>
+        <p:nvSpPr>
+          <p:cNvPr id="14" name="타원 13"/>
+          <p:cNvSpPr/>
+          <p:nvPr/>
+        </p:nvSpPr>
+        <p:spPr>
+          <a:xfrm>
+            <a:off x="7521256" y="2479925"/>
+            <a:ext cx="459740" cy="431899"/>
+          </a:xfrm>
+          <a:prstGeom prst="ellipse">
+            <a:avLst/>
+          </a:prstGeom>
+        </p:spPr>
+        <p:style>
+          <a:lnRef idx="2">
+            <a:schemeClr val="dk1">
+              <a:shade val="50000"/>
+            </a:schemeClr>
+          </a:lnRef>
+          <a:fillRef idx="1">
+            <a:schemeClr val="dk1"/>
+          </a:fillRef>
+          <a:effectRef idx="0">
+            <a:schemeClr val="dk1"/>
+          </a:effectRef>
+          <a:fontRef idx="minor">
+            <a:schemeClr val="lt1"/>
+          </a:fontRef>
+        </p:style>
+        <p:txBody>
+          <a:bodyPr rtlCol="0" anchor="ctr"/>
+          <a:lstStyle/>
+          <a:p>
+            <a:pPr algn="ctr"/>
+            <a:r>
+              <a:rPr lang="en-US" altLang="ko-KR" dirty="0" smtClean="0"/>
+              <a:t>2</a:t>
+            </a:r>
+            <a:endParaRPr lang="ko-KR" altLang="en-US" dirty="0"/>
+          </a:p>
+        </p:txBody>
+      </p:sp>
+      <p:sp>
+        <p:nvSpPr>
+          <p:cNvPr id="15" name="TextBox 14"/>
+          <p:cNvSpPr txBox="1"/>
+          <p:nvPr/>
+        </p:nvSpPr>
+        <p:spPr>
+          <a:xfrm>
+            <a:off x="8008936" y="2479925"/>
+            <a:ext cx="3632200" cy="923330"/>
+          </a:xfrm>
+          <a:prstGeom prst="rect">
+            <a:avLst/>
+          </a:prstGeom>
+          <a:noFill/>
+        </p:spPr>
+        <p:txBody>
+          <a:bodyPr wrap="square" rtlCol="0">
+            <a:spAutoFit/>
+          </a:bodyPr>
+          <a:lstStyle/>
+          <a:p>
+            <a:r>
+              <a:rPr lang="ko-KR" altLang="en-US" dirty="0" smtClean="0"/>
+              <a:t>해당 팝업을 클릭하면 </a:t>
+            </a:r>
+            <a:r>
+              <a:rPr lang="en-US" altLang="ko-KR" dirty="0"/>
+              <a:t> </a:t>
+            </a:r>
+            <a:r>
+              <a:rPr lang="en-US" altLang="ko-KR" dirty="0" smtClean="0"/>
+              <a:t>       </a:t>
+            </a:r>
+            <a:r>
+              <a:rPr lang="ko-KR" altLang="en-US" dirty="0" smtClean="0"/>
+              <a:t>창이 닫히고</a:t>
+            </a:r>
+            <a:r>
+              <a:rPr lang="en-US" altLang="ko-KR" dirty="0" smtClean="0"/>
+              <a:t>, </a:t>
+            </a:r>
+            <a:r>
+              <a:rPr lang="ko-KR" altLang="en-US" dirty="0" smtClean="0"/>
+              <a:t>이벤트 실패 대사가 출력된다</a:t>
+            </a:r>
+            <a:r>
+              <a:rPr lang="en-US" altLang="ko-KR" dirty="0"/>
+              <a:t>.</a:t>
+            </a:r>
+            <a:r>
+              <a:rPr lang="ko-KR" altLang="en-US" dirty="0" smtClean="0"/>
+              <a:t> </a:t>
+            </a:r>
+            <a:endParaRPr lang="ko-KR" altLang="en-US" dirty="0"/>
+          </a:p>
+        </p:txBody>
+      </p:sp>
+      <p:sp>
+        <p:nvSpPr>
+          <p:cNvPr id="16" name="TextBox 15"/>
+          <p:cNvSpPr txBox="1"/>
+          <p:nvPr/>
+        </p:nvSpPr>
+        <p:spPr>
+          <a:xfrm>
+            <a:off x="8034335" y="4356199"/>
+            <a:ext cx="3632200" cy="923330"/>
+          </a:xfrm>
+          <a:prstGeom prst="rect">
+            <a:avLst/>
+          </a:prstGeom>
+          <a:noFill/>
+        </p:spPr>
+        <p:txBody>
+          <a:bodyPr wrap="square" rtlCol="0">
+            <a:spAutoFit/>
+          </a:bodyPr>
+          <a:lstStyle/>
+          <a:p>
+            <a:r>
+              <a:rPr lang="ko-KR" altLang="en-US" dirty="0" smtClean="0"/>
+              <a:t>터치보드에 입력된 값이 있는 상태에서 적용 버튼을 누르면</a:t>
+            </a:r>
+            <a:r>
+              <a:rPr lang="en-US" altLang="ko-KR" dirty="0" smtClean="0"/>
+              <a:t> </a:t>
+            </a:r>
+            <a:r>
+              <a:rPr lang="ko-KR" altLang="en-US" dirty="0" smtClean="0"/>
+              <a:t>방명록 창이 사라진다</a:t>
+            </a:r>
+            <a:r>
+              <a:rPr lang="en-US" altLang="ko-KR" dirty="0" smtClean="0"/>
+              <a:t>. </a:t>
+            </a:r>
+            <a:r>
+              <a:rPr lang="ko-KR" altLang="en-US" dirty="0" smtClean="0"/>
+              <a:t>   </a:t>
+            </a:r>
+            <a:r>
+              <a:rPr lang="en-US" altLang="ko-KR" dirty="0" smtClean="0"/>
+              <a:t> </a:t>
+            </a:r>
+            <a:endParaRPr lang="ko-KR" altLang="en-US" dirty="0"/>
+          </a:p>
+        </p:txBody>
+      </p:sp>
+      <p:sp>
+        <p:nvSpPr>
+          <p:cNvPr id="17" name="타원 16"/>
+          <p:cNvSpPr/>
+          <p:nvPr/>
+        </p:nvSpPr>
+        <p:spPr>
+          <a:xfrm>
+            <a:off x="7521256" y="4385965"/>
+            <a:ext cx="459740" cy="431899"/>
+          </a:xfrm>
+          <a:prstGeom prst="ellipse">
+            <a:avLst/>
+          </a:prstGeom>
+        </p:spPr>
+        <p:style>
+          <a:lnRef idx="2">
+            <a:schemeClr val="dk1">
+              <a:shade val="50000"/>
+            </a:schemeClr>
+          </a:lnRef>
+          <a:fillRef idx="1">
+            <a:schemeClr val="dk1"/>
+          </a:fillRef>
+          <a:effectRef idx="0">
+            <a:schemeClr val="dk1"/>
+          </a:effectRef>
+          <a:fontRef idx="minor">
+            <a:schemeClr val="lt1"/>
+          </a:fontRef>
+        </p:style>
+        <p:txBody>
+          <a:bodyPr rtlCol="0" anchor="ctr"/>
+          <a:lstStyle/>
+          <a:p>
+            <a:pPr algn="ctr"/>
+            <a:r>
+              <a:rPr lang="en-US" altLang="ko-KR" dirty="0" smtClean="0"/>
+              <a:t>4</a:t>
+            </a:r>
+            <a:endParaRPr lang="ko-KR" altLang="en-US" dirty="0"/>
+          </a:p>
+        </p:txBody>
+      </p:sp>
+      <p:sp>
+        <p:nvSpPr>
+          <p:cNvPr id="18" name="타원 17"/>
+          <p:cNvSpPr/>
+          <p:nvPr/>
+        </p:nvSpPr>
+        <p:spPr>
+          <a:xfrm>
+            <a:off x="10474325" y="2349522"/>
+            <a:ext cx="459740" cy="431899"/>
+          </a:xfrm>
+          <a:prstGeom prst="ellipse">
+            <a:avLst/>
+          </a:prstGeom>
+        </p:spPr>
+        <p:style>
+          <a:lnRef idx="2">
+            <a:schemeClr val="dk1">
+              <a:shade val="50000"/>
+            </a:schemeClr>
+          </a:lnRef>
+          <a:fillRef idx="1">
+            <a:schemeClr val="dk1"/>
+          </a:fillRef>
+          <a:effectRef idx="0">
+            <a:schemeClr val="dk1"/>
+          </a:effectRef>
+          <a:fontRef idx="minor">
+            <a:schemeClr val="lt1"/>
+          </a:fontRef>
+        </p:style>
+        <p:txBody>
+          <a:bodyPr rtlCol="0" anchor="ctr"/>
+          <a:lstStyle/>
+          <a:p>
+            <a:pPr algn="ctr"/>
+            <a:r>
+              <a:rPr lang="en-US" altLang="ko-KR" dirty="0" smtClean="0"/>
+              <a:t>1</a:t>
+            </a:r>
+            <a:endParaRPr lang="ko-KR" altLang="en-US" dirty="0"/>
+          </a:p>
+        </p:txBody>
+      </p:sp>
+      <p:sp>
+        <p:nvSpPr>
+          <p:cNvPr id="20" name="직사각형 19"/>
+          <p:cNvSpPr/>
+          <p:nvPr/>
+        </p:nvSpPr>
+        <p:spPr>
+          <a:xfrm>
+            <a:off x="4732974" y="5335674"/>
+            <a:ext cx="2331720" cy="990600"/>
+          </a:xfrm>
+          <a:prstGeom prst="rect">
+            <a:avLst/>
+          </a:prstGeom>
+          <a:solidFill>
+            <a:schemeClr val="accent5">
+              <a:lumMod val="40000"/>
+              <a:lumOff val="60000"/>
+            </a:schemeClr>
+          </a:solidFill>
+        </p:spPr>
+        <p:style>
+          <a:lnRef idx="2">
+            <a:schemeClr val="accent1">
+              <a:shade val="50000"/>
+            </a:schemeClr>
+          </a:lnRef>
+          <a:fillRef idx="1">
+            <a:schemeClr val="accent1"/>
+          </a:fillRef>
+          <a:effectRef idx="0">
+            <a:schemeClr val="accent1"/>
+          </a:effectRef>
+          <a:fontRef idx="minor">
+            <a:schemeClr val="lt1"/>
+          </a:fontRef>
+        </p:style>
+        <p:txBody>
+          <a:bodyPr rtlCol="0" anchor="ctr"/>
+          <a:lstStyle/>
+          <a:p>
+            <a:pPr algn="ctr"/>
+            <a:endParaRPr lang="en-US" altLang="ko-KR" dirty="0" smtClean="0"/>
+          </a:p>
+        </p:txBody>
+      </p:sp>
+      <p:sp>
+        <p:nvSpPr>
+          <p:cNvPr id="21" name="TextBox 20"/>
+          <p:cNvSpPr txBox="1"/>
+          <p:nvPr/>
+        </p:nvSpPr>
+        <p:spPr>
+          <a:xfrm>
+            <a:off x="4499926" y="5692474"/>
+            <a:ext cx="2758440" cy="276999"/>
+          </a:xfrm>
+          <a:prstGeom prst="rect">
+            <a:avLst/>
+          </a:prstGeom>
+          <a:noFill/>
+        </p:spPr>
+        <p:txBody>
+          <a:bodyPr wrap="square" rtlCol="0">
+            <a:spAutoFit/>
+          </a:bodyPr>
+          <a:lstStyle/>
+          <a:p>
+            <a:pPr algn="ctr"/>
+            <a:r>
+              <a:rPr lang="ko-KR" altLang="en-US" sz="1200" dirty="0" smtClean="0"/>
+              <a:t>터치보드를 작성해주세요</a:t>
+            </a:r>
+            <a:endParaRPr lang="en-US" altLang="ko-KR" sz="1200" dirty="0" smtClean="0"/>
+          </a:p>
+        </p:txBody>
+      </p:sp>
+      <p:sp>
+        <p:nvSpPr>
+          <p:cNvPr id="26" name="타원 25"/>
+          <p:cNvSpPr/>
+          <p:nvPr/>
+        </p:nvSpPr>
+        <p:spPr>
+          <a:xfrm>
+            <a:off x="7529192" y="3411388"/>
+            <a:ext cx="459740" cy="431899"/>
+          </a:xfrm>
+          <a:prstGeom prst="ellipse">
+            <a:avLst/>
+          </a:prstGeom>
+        </p:spPr>
+        <p:style>
+          <a:lnRef idx="2">
+            <a:schemeClr val="dk1">
+              <a:shade val="50000"/>
+            </a:schemeClr>
+          </a:lnRef>
+          <a:fillRef idx="1">
+            <a:schemeClr val="dk1"/>
+          </a:fillRef>
+          <a:effectRef idx="0">
+            <a:schemeClr val="dk1"/>
+          </a:effectRef>
+          <a:fontRef idx="minor">
+            <a:schemeClr val="lt1"/>
+          </a:fontRef>
+        </p:style>
+        <p:txBody>
+          <a:bodyPr rtlCol="0" anchor="ctr"/>
+          <a:lstStyle/>
+          <a:p>
+            <a:pPr algn="ctr"/>
+            <a:r>
+              <a:rPr lang="en-US" altLang="ko-KR" dirty="0" smtClean="0"/>
+              <a:t>3</a:t>
+            </a:r>
+            <a:endParaRPr lang="ko-KR" altLang="en-US" dirty="0"/>
+          </a:p>
+        </p:txBody>
+      </p:sp>
+      <p:sp>
+        <p:nvSpPr>
+          <p:cNvPr id="27" name="TextBox 26"/>
+          <p:cNvSpPr txBox="1"/>
+          <p:nvPr/>
+        </p:nvSpPr>
+        <p:spPr>
+          <a:xfrm>
+            <a:off x="7988932" y="3387044"/>
+            <a:ext cx="3632200" cy="923330"/>
+          </a:xfrm>
+          <a:prstGeom prst="rect">
+            <a:avLst/>
+          </a:prstGeom>
+          <a:noFill/>
+        </p:spPr>
+        <p:txBody>
+          <a:bodyPr wrap="square" rtlCol="0">
+            <a:spAutoFit/>
+          </a:bodyPr>
+          <a:lstStyle/>
+          <a:p>
+            <a:r>
+              <a:rPr lang="ko-KR" altLang="en-US" dirty="0" smtClean="0"/>
+              <a:t>플레이어가 자유롭게 </a:t>
+            </a:r>
+            <a:r>
+              <a:rPr lang="en-US" altLang="ko-KR" dirty="0" smtClean="0"/>
+              <a:t>Touch&amp;Draw</a:t>
+            </a:r>
+            <a:r>
+              <a:rPr lang="ko-KR" altLang="en-US" dirty="0" smtClean="0"/>
+              <a:t>를 할 수 있는 공간</a:t>
+            </a:r>
+            <a:endParaRPr lang="en-US" altLang="ko-KR" dirty="0" smtClean="0"/>
+          </a:p>
+          <a:p>
+            <a:r>
+              <a:rPr lang="en-US" altLang="ko-KR" dirty="0" smtClean="0"/>
+              <a:t>(1</a:t>
+            </a:r>
+            <a:r>
+              <a:rPr lang="ko-KR" altLang="en-US" dirty="0" smtClean="0"/>
+              <a:t>차 프로토 기능 미 구현</a:t>
+            </a:r>
+            <a:r>
+              <a:rPr lang="en-US" altLang="ko-KR" dirty="0"/>
+              <a:t>)</a:t>
+            </a:r>
+            <a:r>
+              <a:rPr lang="ko-KR" altLang="en-US" dirty="0" smtClean="0"/>
+              <a:t>   </a:t>
+            </a:r>
+            <a:r>
+              <a:rPr lang="en-US" altLang="ko-KR" dirty="0" smtClean="0"/>
+              <a:t> </a:t>
+            </a:r>
+            <a:endParaRPr lang="ko-KR" altLang="en-US" dirty="0"/>
+          </a:p>
+        </p:txBody>
+      </p:sp>
+      <p:sp>
+        <p:nvSpPr>
+          <p:cNvPr id="28" name="타원 27"/>
+          <p:cNvSpPr/>
+          <p:nvPr/>
+        </p:nvSpPr>
+        <p:spPr>
+          <a:xfrm>
+            <a:off x="7529192" y="5335674"/>
+            <a:ext cx="459740" cy="431899"/>
+          </a:xfrm>
+          <a:prstGeom prst="ellipse">
+            <a:avLst/>
+          </a:prstGeom>
+        </p:spPr>
+        <p:style>
+          <a:lnRef idx="2">
+            <a:schemeClr val="dk1">
+              <a:shade val="50000"/>
+            </a:schemeClr>
+          </a:lnRef>
+          <a:fillRef idx="1">
+            <a:schemeClr val="dk1"/>
+          </a:fillRef>
+          <a:effectRef idx="0">
+            <a:schemeClr val="dk1"/>
+          </a:effectRef>
+          <a:fontRef idx="minor">
+            <a:schemeClr val="lt1"/>
+          </a:fontRef>
+        </p:style>
+        <p:txBody>
+          <a:bodyPr rtlCol="0" anchor="ctr"/>
+          <a:lstStyle/>
+          <a:p>
+            <a:pPr algn="ctr"/>
+            <a:r>
+              <a:rPr lang="en-US" altLang="ko-KR" dirty="0" smtClean="0"/>
+              <a:t>5</a:t>
+            </a:r>
+            <a:endParaRPr lang="ko-KR" altLang="en-US" dirty="0"/>
+          </a:p>
+        </p:txBody>
+      </p:sp>
+      <p:sp>
+        <p:nvSpPr>
+          <p:cNvPr id="29" name="TextBox 28"/>
+          <p:cNvSpPr txBox="1"/>
+          <p:nvPr/>
+        </p:nvSpPr>
+        <p:spPr>
+          <a:xfrm>
+            <a:off x="8008936" y="5346873"/>
+            <a:ext cx="3632200" cy="1200329"/>
+          </a:xfrm>
+          <a:prstGeom prst="rect">
+            <a:avLst/>
+          </a:prstGeom>
+          <a:noFill/>
+        </p:spPr>
+        <p:txBody>
+          <a:bodyPr wrap="square" rtlCol="0">
+            <a:spAutoFit/>
+          </a:bodyPr>
+          <a:lstStyle/>
+          <a:p>
+            <a:r>
+              <a:rPr lang="ko-KR" altLang="en-US" dirty="0" smtClean="0"/>
+              <a:t>팝업창</a:t>
+            </a:r>
+            <a:r>
+              <a:rPr lang="en-US" altLang="ko-KR" dirty="0" smtClean="0"/>
+              <a:t>, </a:t>
+            </a:r>
+            <a:r>
+              <a:rPr lang="ko-KR" altLang="en-US" dirty="0" smtClean="0"/>
+              <a:t>터치보드에 입력된 값이 없는 상태에서 </a:t>
+            </a:r>
+            <a:r>
+              <a:rPr lang="en-US" altLang="ko-KR" dirty="0" smtClean="0"/>
+              <a:t>“</a:t>
+            </a:r>
+            <a:r>
+              <a:rPr lang="ko-KR" altLang="en-US" dirty="0" smtClean="0"/>
+              <a:t>적용</a:t>
+            </a:r>
+            <a:r>
+              <a:rPr lang="en-US" altLang="ko-KR" dirty="0" smtClean="0"/>
+              <a:t>” </a:t>
+            </a:r>
+            <a:r>
+              <a:rPr lang="ko-KR" altLang="en-US" dirty="0" smtClean="0"/>
+              <a:t>버튼을 눌렀을 때 등장한다</a:t>
+            </a:r>
+            <a:r>
+              <a:rPr lang="en-US" altLang="ko-KR" dirty="0" smtClean="0"/>
+              <a:t>. </a:t>
+            </a:r>
+            <a:r>
+              <a:rPr lang="ko-KR" altLang="en-US" dirty="0" smtClean="0"/>
+              <a:t>등장 뒤 </a:t>
+            </a:r>
+            <a:r>
+              <a:rPr lang="en-US" altLang="ko-KR" dirty="0" smtClean="0"/>
+              <a:t>2</a:t>
+            </a:r>
+            <a:r>
+              <a:rPr lang="ko-KR" altLang="en-US" dirty="0" smtClean="0"/>
+              <a:t>초 뒤 사라진다</a:t>
+            </a:r>
+            <a:r>
+              <a:rPr lang="en-US" altLang="ko-KR" dirty="0" smtClean="0"/>
+              <a:t>. </a:t>
+            </a:r>
+            <a:endParaRPr lang="ko-KR" altLang="en-US" dirty="0"/>
+          </a:p>
+        </p:txBody>
+      </p:sp>
+      <p:sp>
+        <p:nvSpPr>
+          <p:cNvPr id="30" name="직사각형 29"/>
+          <p:cNvSpPr/>
+          <p:nvPr/>
+        </p:nvSpPr>
+        <p:spPr>
+          <a:xfrm>
+            <a:off x="4553096" y="1265825"/>
+            <a:ext cx="2664629" cy="3972925"/>
+          </a:xfrm>
+          <a:prstGeom prst="rect">
+            <a:avLst/>
+          </a:prstGeom>
+          <a:noFill/>
+          <a:ln w="38100">
+            <a:solidFill>
+              <a:schemeClr val="tx1"/>
+            </a:solidFill>
+          </a:ln>
+        </p:spPr>
+        <p:style>
+          <a:lnRef idx="2">
+            <a:schemeClr val="accent1">
+              <a:shade val="50000"/>
+            </a:schemeClr>
+          </a:lnRef>
+          <a:fillRef idx="1">
+            <a:schemeClr val="accent1"/>
+          </a:fillRef>
+          <a:effectRef idx="0">
+            <a:schemeClr val="accent1"/>
+          </a:effectRef>
+          <a:fontRef idx="minor">
+            <a:schemeClr val="lt1"/>
+          </a:fontRef>
+        </p:style>
+        <p:txBody>
+          <a:bodyPr rtlCol="0" anchor="ctr"/>
+          <a:lstStyle/>
+          <a:p>
+            <a:pPr algn="ctr"/>
+            <a:endParaRPr lang="ko-KR" altLang="en-US"/>
+          </a:p>
+        </p:txBody>
+      </p:sp>
+      <p:sp>
+        <p:nvSpPr>
+          <p:cNvPr id="31" name="직사각형 30"/>
+          <p:cNvSpPr/>
+          <p:nvPr/>
+        </p:nvSpPr>
+        <p:spPr>
+          <a:xfrm>
+            <a:off x="6678771" y="1404846"/>
+            <a:ext cx="459740" cy="431898"/>
+          </a:xfrm>
+          <a:prstGeom prst="rect">
+            <a:avLst/>
+          </a:prstGeom>
+          <a:noFill/>
+          <a:ln w="38100">
+            <a:solidFill>
+              <a:schemeClr val="tx1"/>
+            </a:solidFill>
+          </a:ln>
+        </p:spPr>
+        <p:style>
+          <a:lnRef idx="2">
+            <a:schemeClr val="accent1">
+              <a:shade val="50000"/>
+            </a:schemeClr>
+          </a:lnRef>
+          <a:fillRef idx="1">
+            <a:schemeClr val="accent1"/>
+          </a:fillRef>
+          <a:effectRef idx="0">
+            <a:schemeClr val="accent1"/>
+          </a:effectRef>
+          <a:fontRef idx="minor">
+            <a:schemeClr val="lt1"/>
+          </a:fontRef>
+        </p:style>
+        <p:txBody>
+          <a:bodyPr rtlCol="0" anchor="ctr"/>
+          <a:lstStyle/>
+          <a:p>
+            <a:pPr algn="ctr"/>
+            <a:endParaRPr lang="ko-KR" altLang="en-US"/>
+          </a:p>
+        </p:txBody>
+      </p:sp>
+      <p:sp>
+        <p:nvSpPr>
+          <p:cNvPr id="9" name="타원 8"/>
+          <p:cNvSpPr/>
+          <p:nvPr/>
+        </p:nvSpPr>
+        <p:spPr>
+          <a:xfrm>
+            <a:off x="4349750" y="1126790"/>
+            <a:ext cx="459740" cy="431899"/>
+          </a:xfrm>
+          <a:prstGeom prst="ellipse">
+            <a:avLst/>
+          </a:prstGeom>
+        </p:spPr>
+        <p:style>
+          <a:lnRef idx="2">
+            <a:schemeClr val="dk1">
+              <a:shade val="50000"/>
+            </a:schemeClr>
+          </a:lnRef>
+          <a:fillRef idx="1">
+            <a:schemeClr val="dk1"/>
+          </a:fillRef>
+          <a:effectRef idx="0">
+            <a:schemeClr val="dk1"/>
+          </a:effectRef>
+          <a:fontRef idx="minor">
+            <a:schemeClr val="lt1"/>
+          </a:fontRef>
+        </p:style>
+        <p:txBody>
+          <a:bodyPr rtlCol="0" anchor="ctr"/>
+          <a:lstStyle/>
+          <a:p>
+            <a:pPr algn="ctr"/>
+            <a:r>
+              <a:rPr lang="en-US" altLang="ko-KR" dirty="0" smtClean="0"/>
+              <a:t>1</a:t>
+            </a:r>
+            <a:endParaRPr lang="ko-KR" altLang="en-US" dirty="0"/>
+          </a:p>
+        </p:txBody>
+      </p:sp>
+      <p:sp>
+        <p:nvSpPr>
+          <p:cNvPr id="34" name="직사각형 33"/>
+          <p:cNvSpPr/>
+          <p:nvPr/>
+        </p:nvSpPr>
+        <p:spPr>
+          <a:xfrm>
+            <a:off x="4716461" y="2069360"/>
+            <a:ext cx="2347279" cy="2493116"/>
+          </a:xfrm>
+          <a:prstGeom prst="rect">
+            <a:avLst/>
+          </a:prstGeom>
+          <a:noFill/>
+          <a:ln w="38100">
+            <a:solidFill>
+              <a:schemeClr val="tx1"/>
+            </a:solidFill>
+          </a:ln>
+        </p:spPr>
+        <p:style>
+          <a:lnRef idx="2">
+            <a:schemeClr val="accent1">
+              <a:shade val="50000"/>
+            </a:schemeClr>
+          </a:lnRef>
+          <a:fillRef idx="1">
+            <a:schemeClr val="accent1"/>
+          </a:fillRef>
+          <a:effectRef idx="0">
+            <a:schemeClr val="accent1"/>
+          </a:effectRef>
+          <a:fontRef idx="minor">
+            <a:schemeClr val="lt1"/>
+          </a:fontRef>
+        </p:style>
+        <p:txBody>
+          <a:bodyPr rtlCol="0" anchor="ctr"/>
+          <a:lstStyle/>
+          <a:p>
+            <a:pPr algn="ctr"/>
+            <a:endParaRPr lang="ko-KR" altLang="en-US"/>
+          </a:p>
+        </p:txBody>
+      </p:sp>
+      <p:sp>
+        <p:nvSpPr>
+          <p:cNvPr id="35" name="직사각형 34"/>
+          <p:cNvSpPr/>
+          <p:nvPr/>
+        </p:nvSpPr>
+        <p:spPr>
+          <a:xfrm>
+            <a:off x="5267006" y="4633513"/>
+            <a:ext cx="1261745" cy="444888"/>
+          </a:xfrm>
+          <a:prstGeom prst="rect">
+            <a:avLst/>
+          </a:prstGeom>
+          <a:noFill/>
+          <a:ln w="38100">
+            <a:solidFill>
+              <a:schemeClr val="tx1"/>
+            </a:solidFill>
+          </a:ln>
+        </p:spPr>
+        <p:style>
+          <a:lnRef idx="2">
+            <a:schemeClr val="accent1">
+              <a:shade val="50000"/>
+            </a:schemeClr>
+          </a:lnRef>
+          <a:fillRef idx="1">
+            <a:schemeClr val="accent1"/>
+          </a:fillRef>
+          <a:effectRef idx="0">
+            <a:schemeClr val="accent1"/>
+          </a:effectRef>
+          <a:fontRef idx="minor">
+            <a:schemeClr val="lt1"/>
+          </a:fontRef>
+        </p:style>
+        <p:txBody>
+          <a:bodyPr rtlCol="0" anchor="ctr"/>
+          <a:lstStyle/>
+          <a:p>
+            <a:pPr algn="ctr"/>
+            <a:endParaRPr lang="ko-KR" altLang="en-US"/>
+          </a:p>
+        </p:txBody>
+      </p:sp>
+      <p:sp>
+        <p:nvSpPr>
+          <p:cNvPr id="36" name="직사각형 35"/>
+          <p:cNvSpPr/>
+          <p:nvPr/>
+        </p:nvSpPr>
+        <p:spPr>
+          <a:xfrm>
+            <a:off x="4732020" y="5335749"/>
+            <a:ext cx="2352678" cy="1000049"/>
+          </a:xfrm>
+          <a:prstGeom prst="rect">
+            <a:avLst/>
+          </a:prstGeom>
+          <a:noFill/>
+          <a:ln w="38100">
+            <a:solidFill>
+              <a:schemeClr val="tx1"/>
+            </a:solidFill>
+          </a:ln>
+        </p:spPr>
+        <p:style>
+          <a:lnRef idx="2">
+            <a:schemeClr val="accent1">
+              <a:shade val="50000"/>
+            </a:schemeClr>
+          </a:lnRef>
+          <a:fillRef idx="1">
+            <a:schemeClr val="accent1"/>
+          </a:fillRef>
+          <a:effectRef idx="0">
+            <a:schemeClr val="accent1"/>
+          </a:effectRef>
+          <a:fontRef idx="minor">
+            <a:schemeClr val="lt1"/>
+          </a:fontRef>
+        </p:style>
+        <p:txBody>
+          <a:bodyPr rtlCol="0" anchor="ctr"/>
+          <a:lstStyle/>
+          <a:p>
+            <a:pPr algn="ctr"/>
+            <a:endParaRPr lang="ko-KR" altLang="en-US"/>
+          </a:p>
+        </p:txBody>
+      </p:sp>
+      <p:sp>
+        <p:nvSpPr>
+          <p:cNvPr id="11" name="타원 10"/>
+          <p:cNvSpPr/>
+          <p:nvPr/>
+        </p:nvSpPr>
+        <p:spPr>
+          <a:xfrm>
+            <a:off x="4486591" y="1881170"/>
+            <a:ext cx="459740" cy="431899"/>
+          </a:xfrm>
+          <a:prstGeom prst="ellipse">
+            <a:avLst/>
+          </a:prstGeom>
+        </p:spPr>
+        <p:style>
+          <a:lnRef idx="2">
+            <a:schemeClr val="dk1">
+              <a:shade val="50000"/>
+            </a:schemeClr>
+          </a:lnRef>
+          <a:fillRef idx="1">
+            <a:schemeClr val="dk1"/>
+          </a:fillRef>
+          <a:effectRef idx="0">
+            <a:schemeClr val="dk1"/>
+          </a:effectRef>
+          <a:fontRef idx="minor">
+            <a:schemeClr val="lt1"/>
+          </a:fontRef>
+        </p:style>
+        <p:txBody>
+          <a:bodyPr rtlCol="0" anchor="ctr"/>
+          <a:lstStyle/>
+          <a:p>
+            <a:pPr algn="ctr"/>
+            <a:r>
+              <a:rPr lang="en-US" altLang="ko-KR" dirty="0" smtClean="0"/>
+              <a:t>3</a:t>
+            </a:r>
+            <a:endParaRPr lang="ko-KR" altLang="en-US" dirty="0"/>
+          </a:p>
+        </p:txBody>
+      </p:sp>
+      <p:sp>
+        <p:nvSpPr>
+          <p:cNvPr id="10" name="타원 9"/>
+          <p:cNvSpPr/>
+          <p:nvPr/>
+        </p:nvSpPr>
+        <p:spPr>
+          <a:xfrm>
+            <a:off x="6333965" y="1112172"/>
+            <a:ext cx="459740" cy="431899"/>
+          </a:xfrm>
+          <a:prstGeom prst="ellipse">
+            <a:avLst/>
+          </a:prstGeom>
+        </p:spPr>
+        <p:style>
+          <a:lnRef idx="2">
+            <a:schemeClr val="dk1">
+              <a:shade val="50000"/>
+            </a:schemeClr>
+          </a:lnRef>
+          <a:fillRef idx="1">
+            <a:schemeClr val="dk1"/>
+          </a:fillRef>
+          <a:effectRef idx="0">
+            <a:schemeClr val="dk1"/>
+          </a:effectRef>
+          <a:fontRef idx="minor">
+            <a:schemeClr val="lt1"/>
+          </a:fontRef>
+        </p:style>
+        <p:txBody>
+          <a:bodyPr rtlCol="0" anchor="ctr"/>
+          <a:lstStyle/>
+          <a:p>
+            <a:pPr algn="ctr"/>
+            <a:r>
+              <a:rPr lang="en-US" altLang="ko-KR" dirty="0" smtClean="0"/>
+              <a:t>2</a:t>
+            </a:r>
+            <a:endParaRPr lang="ko-KR" altLang="en-US" dirty="0"/>
+          </a:p>
+        </p:txBody>
+      </p:sp>
+      <p:sp>
+        <p:nvSpPr>
+          <p:cNvPr id="22" name="타원 21"/>
+          <p:cNvSpPr/>
+          <p:nvPr/>
+        </p:nvSpPr>
+        <p:spPr>
+          <a:xfrm>
+            <a:off x="4999828" y="4468713"/>
+            <a:ext cx="459740" cy="431899"/>
+          </a:xfrm>
+          <a:prstGeom prst="ellipse">
+            <a:avLst/>
+          </a:prstGeom>
+        </p:spPr>
+        <p:style>
+          <a:lnRef idx="2">
+            <a:schemeClr val="dk1">
+              <a:shade val="50000"/>
+            </a:schemeClr>
+          </a:lnRef>
+          <a:fillRef idx="1">
+            <a:schemeClr val="dk1"/>
+          </a:fillRef>
+          <a:effectRef idx="0">
+            <a:schemeClr val="dk1"/>
+          </a:effectRef>
+          <a:fontRef idx="minor">
+            <a:schemeClr val="lt1"/>
+          </a:fontRef>
+        </p:style>
+        <p:txBody>
+          <a:bodyPr rtlCol="0" anchor="ctr"/>
+          <a:lstStyle/>
+          <a:p>
+            <a:pPr algn="ctr"/>
+            <a:r>
+              <a:rPr lang="en-US" altLang="ko-KR" dirty="0" smtClean="0"/>
+              <a:t>4</a:t>
+            </a:r>
+            <a:endParaRPr lang="ko-KR" altLang="en-US" dirty="0"/>
+          </a:p>
+        </p:txBody>
+      </p:sp>
+      <p:sp>
+        <p:nvSpPr>
+          <p:cNvPr id="23" name="타원 22"/>
+          <p:cNvSpPr/>
+          <p:nvPr/>
+        </p:nvSpPr>
+        <p:spPr>
+          <a:xfrm>
+            <a:off x="4502150" y="5238750"/>
+            <a:ext cx="459740" cy="431899"/>
+          </a:xfrm>
+          <a:prstGeom prst="ellipse">
+            <a:avLst/>
+          </a:prstGeom>
+        </p:spPr>
+        <p:style>
+          <a:lnRef idx="2">
+            <a:schemeClr val="dk1">
+              <a:shade val="50000"/>
+            </a:schemeClr>
+          </a:lnRef>
+          <a:fillRef idx="1">
+            <a:schemeClr val="dk1"/>
+          </a:fillRef>
+          <a:effectRef idx="0">
+            <a:schemeClr val="dk1"/>
+          </a:effectRef>
+          <a:fontRef idx="minor">
+            <a:schemeClr val="lt1"/>
+          </a:fontRef>
+        </p:style>
+        <p:txBody>
+          <a:bodyPr rtlCol="0" anchor="ctr"/>
+          <a:lstStyle/>
+          <a:p>
+            <a:pPr algn="ctr"/>
+            <a:r>
+              <a:rPr lang="en-US" altLang="ko-KR" dirty="0"/>
+              <a:t>5</a:t>
+            </a:r>
+            <a:endParaRPr lang="ko-KR" altLang="en-US" dirty="0"/>
+          </a:p>
+        </p:txBody>
+      </p:sp>
+    </p:spTree>
+    <p:extLst>
+      <p:ext uri="{BB962C8B-B14F-4D97-AF65-F5344CB8AC3E}">
+        <p14:creationId xmlns:p14="http://schemas.microsoft.com/office/powerpoint/2010/main" val="3299594759"/>
+      </p:ext>
+    </p:extLst>
+  </p:cSld>
+  <p:clrMapOvr>
+    <a:masterClrMapping/>
+  </p:clrMapOvr>
+</p:sld>
+</file>
+
+<file path=ppt/slides/slide11.xml><?xml version="1.0" encoding="utf-8"?>
+<p:sld xmlns:a="http://schemas.openxmlformats.org/drawingml/2006/main" xmlns:r="http://schemas.openxmlformats.org/officeDocument/2006/relationships" xmlns:p="http://schemas.openxmlformats.org/presentationml/2006/main">
+  <p:cSld>
+    <p:spTree>
+      <p:nvGrpSpPr>
+        <p:cNvPr id="1" name=""/>
+        <p:cNvGrpSpPr/>
+        <p:nvPr/>
+      </p:nvGrpSpPr>
+      <p:grpSpPr>
+        <a:xfrm>
+          <a:off x="0" y="0"/>
+          <a:ext cx="0" cy="0"/>
+          <a:chOff x="0" y="0"/>
+          <a:chExt cx="0" cy="0"/>
+        </a:xfrm>
+      </p:grpSpPr>
+      <p:sp>
+        <p:nvSpPr>
+          <p:cNvPr id="2" name="직사각형 1"/>
+          <p:cNvSpPr/>
+          <p:nvPr/>
+        </p:nvSpPr>
+        <p:spPr>
+          <a:xfrm>
+            <a:off x="689450" y="429773"/>
+            <a:ext cx="1927860" cy="807720"/>
+          </a:xfrm>
+          <a:prstGeom prst="rect">
+            <a:avLst/>
+          </a:prstGeom>
+        </p:spPr>
+        <p:style>
+          <a:lnRef idx="2">
+            <a:schemeClr val="accent1">
+              <a:shade val="50000"/>
+            </a:schemeClr>
+          </a:lnRef>
+          <a:fillRef idx="1">
+            <a:schemeClr val="accent1"/>
+          </a:fillRef>
+          <a:effectRef idx="0">
+            <a:schemeClr val="accent1"/>
+          </a:effectRef>
+          <a:fontRef idx="minor">
+            <a:schemeClr val="lt1"/>
+          </a:fontRef>
+        </p:style>
+        <p:txBody>
+          <a:bodyPr rtlCol="0" anchor="ctr"/>
+          <a:lstStyle/>
+          <a:p>
+            <a:pPr algn="ctr"/>
+            <a:r>
+              <a:rPr lang="ko-KR" altLang="en-US" dirty="0" smtClean="0"/>
+              <a:t>캐릭터 </a:t>
+            </a:r>
+            <a:r>
+              <a:rPr lang="ko-KR" altLang="en-US" dirty="0" smtClean="0"/>
+              <a:t>대화 </a:t>
             </a:r>
             <a:r>
               <a:rPr lang="en-US" altLang="ko-KR" dirty="0" smtClean="0"/>
@@ -4709,7 +6205,7 @@
 </p:sld>
 </file>
 
-<file path=ppt/slides/slide11.xml><?xml version="1.0" encoding="utf-8"?>
+<file path=ppt/slides/slide12.xml><?xml version="1.0" encoding="utf-8"?>
 <p:sld xmlns:a="http://schemas.openxmlformats.org/drawingml/2006/main" xmlns:r="http://schemas.openxmlformats.org/officeDocument/2006/relationships" xmlns:p="http://schemas.openxmlformats.org/presentationml/2006/main">
   <p:cSld>
     <p:spTree>
@@ -8910,26 +10406,59 @@
           <a:chExt cx="0" cy="0"/>
         </a:xfrm>
       </p:grpSpPr>
-      <p:sp>
-        <p:nvSpPr>
-          <p:cNvPr id="7" name="직사각형 6"/>
+      <p:pic>
+        <p:nvPicPr>
+          <p:cNvPr id="5" name="Picture 4" descr="명랑 핫도그 &lt;명랑시대 쌀핫도그&gt; - 파주 운정점"/>
+          <p:cNvPicPr>
+            <a:picLocks noChangeAspect="1" noChangeArrowheads="1"/>
+          </p:cNvPicPr>
+          <p:nvPr/>
+        </p:nvPicPr>
+        <p:blipFill rotWithShape="1">
+          <a:blip r:embed="rId2">
+            <a:extLst>
+              <a:ext uri="{28A0092B-C50C-407E-A947-70E740481C1C}">
+                <a14:useLocalDpi xmlns:a14="http://schemas.microsoft.com/office/drawing/2010/main" val="0"/>
+              </a:ext>
+            </a:extLst>
+          </a:blip>
+          <a:srcRect t="3137" r="22045"/>
+          <a:stretch/>
+        </p:blipFill>
+        <p:spPr bwMode="auto">
+          <a:xfrm>
+            <a:off x="4460875" y="317499"/>
+            <a:ext cx="2841625" cy="6273801"/>
+          </a:xfrm>
+          <a:prstGeom prst="rect">
+            <a:avLst/>
+          </a:prstGeom>
+          <a:noFill/>
+          <a:extLst>
+            <a:ext uri="{909E8E84-426E-40DD-AFC4-6F175D3DCCD1}">
+              <a14:hiddenFill xmlns:a14="http://schemas.microsoft.com/office/drawing/2010/main">
+                <a:solidFill>
+                  <a:srgbClr val="FFFFFF"/>
+                </a:solidFill>
+              </a14:hiddenFill>
+            </a:ext>
+          </a:extLst>
+        </p:spPr>
+      </p:pic>
+      <p:sp>
+        <p:nvSpPr>
+          <p:cNvPr id="2" name="직사각형 1"/>
           <p:cNvSpPr/>
           <p:nvPr/>
         </p:nvSpPr>
         <p:spPr>
           <a:xfrm>
-            <a:off x="4579620" y="1337310"/>
-            <a:ext cx="2602230" cy="3901440"/>
-          </a:xfrm>
-          <a:prstGeom prst="rect">
-            <a:avLst/>
-          </a:prstGeom>
-          <a:solidFill>
-            <a:schemeClr val="accent5">
-              <a:lumMod val="20000"/>
-              <a:lumOff val="80000"/>
-            </a:schemeClr>
-          </a:solidFill>
+            <a:off x="1313180" y="436880"/>
+            <a:ext cx="1927860" cy="807720"/>
+          </a:xfrm>
+          <a:prstGeom prst="rect">
+            <a:avLst/>
+          </a:prstGeom>
         </p:spPr>
         <p:style>
           <a:lnRef idx="2">
@@ -8952,61 +10481,21 @@
           <a:lstStyle/>
           <a:p>
             <a:pPr algn="ctr"/>
+            <a:r>
+              <a:rPr lang="ko-KR" altLang="en-US" dirty="0" smtClean="0"/>
+              <a:t>취향 맞추기</a:t>
+            </a:r>
             <a:endParaRPr lang="en-US" altLang="ko-KR" dirty="0" smtClean="0"/>
           </a:p>
-        </p:txBody>
-      </p:sp>
-      <p:sp>
-        <p:nvSpPr>
-          <p:cNvPr id="2" name="직사각형 1"/>
-          <p:cNvSpPr/>
-          <p:nvPr/>
-        </p:nvSpPr>
-        <p:spPr>
-          <a:xfrm>
-            <a:off x="1313180" y="436880"/>
-            <a:ext cx="1927860" cy="807720"/>
-          </a:xfrm>
-          <a:prstGeom prst="rect">
-            <a:avLst/>
-          </a:prstGeom>
-        </p:spPr>
-        <p:style>
-          <a:lnRef idx="2">
-            <a:schemeClr val="accent1">
-              <a:shade val="50000"/>
-            </a:schemeClr>
-          </a:lnRef>
-          <a:fillRef idx="1">
-            <a:schemeClr val="accent1"/>
-          </a:fillRef>
-          <a:effectRef idx="0">
-            <a:schemeClr val="accent1"/>
-          </a:effectRef>
-          <a:fontRef idx="minor">
-            <a:schemeClr val="lt1"/>
-          </a:fontRef>
-        </p:style>
-        <p:txBody>
-          <a:bodyPr rtlCol="0" anchor="ctr"/>
-          <a:lstStyle/>
-          <a:p>
-            <a:pPr algn="ctr"/>
-            <a:r>
-              <a:rPr lang="ko-KR" altLang="en-US" dirty="0" smtClean="0"/>
-              <a:t>방명록 이벤트</a:t>
-            </a:r>
-            <a:endParaRPr lang="en-US" altLang="ko-KR" dirty="0" smtClean="0"/>
-          </a:p>
-          <a:p>
-            <a:pPr algn="ctr"/>
-            <a:r>
-              <a:rPr lang="ko-KR" altLang="en-US" dirty="0" smtClean="0"/>
-              <a:t>진행 중 </a:t>
-            </a:r>
-            <a:r>
-              <a:rPr lang="en-US" altLang="ko-KR" dirty="0" smtClean="0"/>
-              <a:t>UI</a:t>
+          <a:p>
+            <a:pPr algn="ctr"/>
+            <a:r>
+              <a:rPr lang="ko-KR" altLang="en-US" dirty="0" smtClean="0"/>
+              <a:t>선택지 </a:t>
+            </a:r>
+            <a:r>
+              <a:rPr lang="en-US" altLang="ko-KR" dirty="0" smtClean="0"/>
+              <a:t>UI </a:t>
             </a:r>
             <a:endParaRPr lang="ko-KR" altLang="en-US" dirty="0"/>
           </a:p>
@@ -9021,11 +10510,11 @@
           <p:nvPr/>
         </p:nvPicPr>
         <p:blipFill>
-          <a:blip r:embed="rId2">
+          <a:blip r:embed="rId3">
             <a:extLst>
               <a:ext uri="{BEBA8EAE-BF5A-486C-A8C5-ECC9F3942E4B}">
                 <a14:imgProps xmlns:a14="http://schemas.microsoft.com/office/drawing/2010/main">
-                  <a14:imgLayer r:embed="rId3">
+                  <a14:imgLayer r:embed="rId4">
                     <a14:imgEffect>
                       <a14:backgroundRemoval t="0" b="98870" l="562" r="95506"/>
                     </a14:imgEffect>
@@ -9048,105 +10537,88 @@
           </a:prstGeom>
         </p:spPr>
       </p:pic>
-      <p:sp>
-        <p:nvSpPr>
-          <p:cNvPr id="4" name="직사각형 3"/>
-          <p:cNvSpPr/>
-          <p:nvPr/>
-        </p:nvSpPr>
-        <p:spPr>
-          <a:xfrm>
-            <a:off x="4732020" y="2070735"/>
-            <a:ext cx="2331720" cy="2491740"/>
-          </a:xfrm>
-          <a:prstGeom prst="rect">
-            <a:avLst/>
-          </a:prstGeom>
-          <a:solidFill>
-            <a:schemeClr val="accent5">
-              <a:lumMod val="40000"/>
-              <a:lumOff val="60000"/>
-            </a:schemeClr>
-          </a:solidFill>
-        </p:spPr>
-        <p:style>
-          <a:lnRef idx="2">
-            <a:schemeClr val="accent1">
-              <a:shade val="50000"/>
-            </a:schemeClr>
-          </a:lnRef>
-          <a:fillRef idx="1">
-            <a:schemeClr val="accent1"/>
-          </a:fillRef>
-          <a:effectRef idx="0">
-            <a:schemeClr val="accent1"/>
-          </a:effectRef>
-          <a:fontRef idx="minor">
-            <a:schemeClr val="lt1"/>
-          </a:fontRef>
-        </p:style>
-        <p:txBody>
-          <a:bodyPr rtlCol="0" anchor="ctr"/>
-          <a:lstStyle/>
-          <a:p>
-            <a:pPr algn="ctr"/>
-            <a:r>
-              <a:rPr lang="en-US" altLang="ko-KR" dirty="0" smtClean="0"/>
-              <a:t>Touch board</a:t>
-            </a:r>
-          </a:p>
-          <a:p>
-            <a:pPr algn="ctr"/>
-            <a:r>
-              <a:rPr lang="ko-KR" altLang="en-US" dirty="0" smtClean="0"/>
-              <a:t>터치보드</a:t>
-            </a:r>
-            <a:endParaRPr lang="en-US" altLang="ko-KR" dirty="0" smtClean="0"/>
-          </a:p>
-        </p:txBody>
-      </p:sp>
-      <p:sp>
-        <p:nvSpPr>
-          <p:cNvPr id="5" name="직사각형 4"/>
-          <p:cNvSpPr/>
-          <p:nvPr/>
-        </p:nvSpPr>
-        <p:spPr>
-          <a:xfrm>
-            <a:off x="5267006" y="4659399"/>
-            <a:ext cx="1261745" cy="419001"/>
-          </a:xfrm>
-          <a:prstGeom prst="rect">
-            <a:avLst/>
-          </a:prstGeom>
-        </p:spPr>
-        <p:style>
-          <a:lnRef idx="1">
-            <a:schemeClr val="accent1"/>
-          </a:lnRef>
-          <a:fillRef idx="2">
-            <a:schemeClr val="accent1"/>
-          </a:fillRef>
-          <a:effectRef idx="1">
-            <a:schemeClr val="accent1"/>
-          </a:effectRef>
-          <a:fontRef idx="minor">
-            <a:schemeClr val="dk1"/>
-          </a:fontRef>
-        </p:style>
-        <p:txBody>
-          <a:bodyPr rtlCol="0" anchor="ctr"/>
-          <a:lstStyle/>
-          <a:p>
-            <a:pPr algn="ctr"/>
-            <a:r>
-              <a:rPr lang="ko-KR" altLang="en-US" dirty="0" smtClean="0"/>
-              <a:t>적용</a:t>
-            </a:r>
-            <a:endParaRPr lang="ko-KR" altLang="en-US" dirty="0"/>
-          </a:p>
-        </p:txBody>
-      </p:sp>
+      <p:pic>
+        <p:nvPicPr>
+          <p:cNvPr id="1026" name="Picture 2" descr="핫도그 PNG 이미지 | PNG Mart"/>
+          <p:cNvPicPr>
+            <a:picLocks noChangeAspect="1" noChangeArrowheads="1"/>
+          </p:cNvPicPr>
+          <p:nvPr/>
+        </p:nvPicPr>
+        <p:blipFill>
+          <a:blip r:embed="rId5" cstate="print">
+            <a:extLst>
+              <a:ext uri="{28A0092B-C50C-407E-A947-70E740481C1C}">
+                <a14:useLocalDpi xmlns:a14="http://schemas.microsoft.com/office/drawing/2010/main" val="0"/>
+              </a:ext>
+            </a:extLst>
+          </a:blip>
+          <a:srcRect/>
+          <a:stretch>
+            <a:fillRect/>
+          </a:stretch>
+        </p:blipFill>
+        <p:spPr bwMode="auto">
+          <a:xfrm>
+            <a:off x="4433712" y="1464332"/>
+            <a:ext cx="1773839" cy="981273"/>
+          </a:xfrm>
+          <a:prstGeom prst="rect">
+            <a:avLst/>
+          </a:prstGeom>
+          <a:noFill/>
+          <a:extLst>
+            <a:ext uri="{909E8E84-426E-40DD-AFC4-6F175D3DCCD1}">
+              <a14:hiddenFill xmlns:a14="http://schemas.microsoft.com/office/drawing/2010/main">
+                <a:solidFill>
+                  <a:srgbClr val="FFFFFF"/>
+                </a:solidFill>
+              </a14:hiddenFill>
+            </a:ext>
+          </a:extLst>
+        </p:spPr>
+      </p:pic>
+      <p:pic>
+        <p:nvPicPr>
+          <p:cNvPr id="1028" name="Picture 4" descr="튀김 PNG 투명한 이미지 | PNG Mart"/>
+          <p:cNvPicPr>
+            <a:picLocks noChangeAspect="1" noChangeArrowheads="1"/>
+          </p:cNvPicPr>
+          <p:nvPr/>
+        </p:nvPicPr>
+        <p:blipFill>
+          <a:blip r:embed="rId6" cstate="print">
+            <a:extLst>
+              <a:ext uri="{28A0092B-C50C-407E-A947-70E740481C1C}">
+                <a14:useLocalDpi xmlns:a14="http://schemas.microsoft.com/office/drawing/2010/main" val="0"/>
+              </a:ext>
+            </a:extLst>
+          </a:blip>
+          <a:srcRect/>
+          <a:stretch>
+            <a:fillRect/>
+          </a:stretch>
+        </p:blipFill>
+        <p:spPr bwMode="auto">
+          <a:xfrm>
+            <a:off x="5832498" y="2311846"/>
+            <a:ext cx="1470002" cy="1333932"/>
+          </a:xfrm>
+          <a:prstGeom prst="rect">
+            <a:avLst/>
+          </a:prstGeom>
+          <a:noFill/>
+          <a:extLst>
+            <a:ext uri="{909E8E84-426E-40DD-AFC4-6F175D3DCCD1}">
+              <a14:hiddenFill xmlns:a14="http://schemas.microsoft.com/office/drawing/2010/main">
+                <a:solidFill>
+                  <a:srgbClr val="FFFFFF"/>
+                </a:solidFill>
+              </a14:hiddenFill>
+            </a:ext>
+          </a:extLst>
+        </p:spPr>
+      </p:pic>
       <p:sp>
         <p:nvSpPr>
           <p:cNvPr id="6" name="직사각형 5"/>
@@ -9155,8 +10627,8 @@
         </p:nvSpPr>
         <p:spPr>
           <a:xfrm>
-            <a:off x="5267006" y="1553434"/>
-            <a:ext cx="1261745" cy="419001"/>
+            <a:off x="4737549" y="2445605"/>
+            <a:ext cx="914400" cy="343315"/>
           </a:xfrm>
           <a:prstGeom prst="rect">
             <a:avLst/>
@@ -9182,48 +10654,40 @@
           <a:p>
             <a:pPr algn="ctr"/>
             <a:r>
-              <a:rPr lang="ko-KR" altLang="en-US" dirty="0" smtClean="0"/>
-              <a:t>방명록</a:t>
-            </a:r>
-            <a:endParaRPr lang="ko-KR" altLang="en-US" dirty="0"/>
-          </a:p>
-        </p:txBody>
-      </p:sp>
-      <p:sp>
-        <p:nvSpPr>
-          <p:cNvPr id="8" name="타원 7"/>
+              <a:rPr lang="ko-KR" altLang="en-US" sz="1200" dirty="0" smtClean="0"/>
+              <a:t>핫도그</a:t>
+            </a:r>
+            <a:endParaRPr lang="ko-KR" altLang="en-US" sz="1200" dirty="0"/>
+          </a:p>
+        </p:txBody>
+      </p:sp>
+      <p:sp>
+        <p:nvSpPr>
+          <p:cNvPr id="9" name="직사각형 8"/>
           <p:cNvSpPr/>
           <p:nvPr/>
         </p:nvSpPr>
         <p:spPr>
           <a:xfrm>
-            <a:off x="6678770" y="1404844"/>
-            <a:ext cx="459740" cy="431899"/>
-          </a:xfrm>
-          <a:prstGeom prst="ellipse">
-            <a:avLst/>
-          </a:prstGeom>
-          <a:solidFill>
-            <a:schemeClr val="accent5"/>
-          </a:solidFill>
-          <a:ln>
-            <a:noFill/>
-          </a:ln>
-        </p:spPr>
-        <p:style>
-          <a:lnRef idx="2">
-            <a:schemeClr val="dk1">
-              <a:shade val="50000"/>
-            </a:schemeClr>
-          </a:lnRef>
-          <a:fillRef idx="1">
+            <a:off x="6114415" y="3677319"/>
+            <a:ext cx="914400" cy="343315"/>
+          </a:xfrm>
+          <a:prstGeom prst="rect">
+            <a:avLst/>
+          </a:prstGeom>
+        </p:spPr>
+        <p:style>
+          <a:lnRef idx="1">
+            <a:schemeClr val="accent1"/>
+          </a:lnRef>
+          <a:fillRef idx="2">
+            <a:schemeClr val="accent1"/>
+          </a:fillRef>
+          <a:effectRef idx="1">
+            <a:schemeClr val="accent1"/>
+          </a:effectRef>
+          <a:fontRef idx="minor">
             <a:schemeClr val="dk1"/>
-          </a:fillRef>
-          <a:effectRef idx="0">
-            <a:schemeClr val="dk1"/>
-          </a:effectRef>
-          <a:fontRef idx="minor">
-            <a:schemeClr val="lt1"/>
           </a:fontRef>
         </p:style>
         <p:txBody>
@@ -9232,640 +10696,23 @@
           <a:p>
             <a:pPr algn="ctr"/>
             <a:r>
-              <a:rPr lang="en-US" altLang="ko-KR" dirty="0" smtClean="0"/>
-              <a:t>X</a:t>
-            </a:r>
-            <a:endParaRPr lang="ko-KR" altLang="en-US" dirty="0"/>
-          </a:p>
-        </p:txBody>
-      </p:sp>
-      <p:sp>
-        <p:nvSpPr>
-          <p:cNvPr id="12" name="TextBox 11"/>
-          <p:cNvSpPr txBox="1"/>
-          <p:nvPr/>
-        </p:nvSpPr>
-        <p:spPr>
-          <a:xfrm>
-            <a:off x="7980996" y="1510770"/>
-            <a:ext cx="3632200" cy="923330"/>
-          </a:xfrm>
-          <a:prstGeom prst="rect">
-            <a:avLst/>
-          </a:prstGeom>
-          <a:noFill/>
-        </p:spPr>
-        <p:txBody>
-          <a:bodyPr wrap="square" rtlCol="0">
-            <a:spAutoFit/>
-          </a:bodyPr>
-          <a:lstStyle/>
-          <a:p>
-            <a:r>
-              <a:rPr lang="ko-KR" altLang="en-US" dirty="0" smtClean="0"/>
-              <a:t>해당 팝업은 방명록 이벤트 시작 대사가 전부 출력하고 나서 등장한다</a:t>
-            </a:r>
-            <a:r>
-              <a:rPr lang="en-US" altLang="ko-KR" dirty="0" smtClean="0"/>
-              <a:t>. </a:t>
-            </a:r>
-          </a:p>
-        </p:txBody>
-      </p:sp>
-      <p:sp>
-        <p:nvSpPr>
-          <p:cNvPr id="13" name="타원 12"/>
+              <a:rPr lang="ko-KR" altLang="en-US" sz="1200" dirty="0" smtClean="0"/>
+              <a:t>감튀</a:t>
+            </a:r>
+            <a:endParaRPr lang="ko-KR" altLang="en-US" sz="1200" dirty="0"/>
+          </a:p>
+        </p:txBody>
+      </p:sp>
+      <p:sp>
+        <p:nvSpPr>
+          <p:cNvPr id="12" name="직사각형 11"/>
           <p:cNvSpPr/>
           <p:nvPr/>
         </p:nvSpPr>
         <p:spPr>
           <a:xfrm>
-            <a:off x="7521256" y="1510770"/>
-            <a:ext cx="459740" cy="431899"/>
-          </a:xfrm>
-          <a:prstGeom prst="ellipse">
-            <a:avLst/>
-          </a:prstGeom>
-        </p:spPr>
-        <p:style>
-          <a:lnRef idx="2">
-            <a:schemeClr val="dk1">
-              <a:shade val="50000"/>
-            </a:schemeClr>
-          </a:lnRef>
-          <a:fillRef idx="1">
-            <a:schemeClr val="dk1"/>
-          </a:fillRef>
-          <a:effectRef idx="0">
-            <a:schemeClr val="dk1"/>
-          </a:effectRef>
-          <a:fontRef idx="minor">
-            <a:schemeClr val="lt1"/>
-          </a:fontRef>
-        </p:style>
-        <p:txBody>
-          <a:bodyPr rtlCol="0" anchor="ctr"/>
-          <a:lstStyle/>
-          <a:p>
-            <a:pPr algn="ctr"/>
-            <a:r>
-              <a:rPr lang="en-US" altLang="ko-KR" dirty="0" smtClean="0"/>
-              <a:t>1</a:t>
-            </a:r>
-            <a:endParaRPr lang="ko-KR" altLang="en-US" dirty="0"/>
-          </a:p>
-        </p:txBody>
-      </p:sp>
-      <p:sp>
-        <p:nvSpPr>
-          <p:cNvPr id="14" name="타원 13"/>
-          <p:cNvSpPr/>
-          <p:nvPr/>
-        </p:nvSpPr>
-        <p:spPr>
-          <a:xfrm>
-            <a:off x="7521256" y="2479925"/>
-            <a:ext cx="459740" cy="431899"/>
-          </a:xfrm>
-          <a:prstGeom prst="ellipse">
-            <a:avLst/>
-          </a:prstGeom>
-        </p:spPr>
-        <p:style>
-          <a:lnRef idx="2">
-            <a:schemeClr val="dk1">
-              <a:shade val="50000"/>
-            </a:schemeClr>
-          </a:lnRef>
-          <a:fillRef idx="1">
-            <a:schemeClr val="dk1"/>
-          </a:fillRef>
-          <a:effectRef idx="0">
-            <a:schemeClr val="dk1"/>
-          </a:effectRef>
-          <a:fontRef idx="minor">
-            <a:schemeClr val="lt1"/>
-          </a:fontRef>
-        </p:style>
-        <p:txBody>
-          <a:bodyPr rtlCol="0" anchor="ctr"/>
-          <a:lstStyle/>
-          <a:p>
-            <a:pPr algn="ctr"/>
-            <a:r>
-              <a:rPr lang="en-US" altLang="ko-KR" dirty="0" smtClean="0"/>
-              <a:t>2</a:t>
-            </a:r>
-            <a:endParaRPr lang="ko-KR" altLang="en-US" dirty="0"/>
-          </a:p>
-        </p:txBody>
-      </p:sp>
-      <p:sp>
-        <p:nvSpPr>
-          <p:cNvPr id="15" name="TextBox 14"/>
-          <p:cNvSpPr txBox="1"/>
-          <p:nvPr/>
-        </p:nvSpPr>
-        <p:spPr>
-          <a:xfrm>
-            <a:off x="8008936" y="2479925"/>
-            <a:ext cx="3632200" cy="923330"/>
-          </a:xfrm>
-          <a:prstGeom prst="rect">
-            <a:avLst/>
-          </a:prstGeom>
-          <a:noFill/>
-        </p:spPr>
-        <p:txBody>
-          <a:bodyPr wrap="square" rtlCol="0">
-            <a:spAutoFit/>
-          </a:bodyPr>
-          <a:lstStyle/>
-          <a:p>
-            <a:r>
-              <a:rPr lang="ko-KR" altLang="en-US" dirty="0" smtClean="0"/>
-              <a:t>해당 팝업을 클릭하면 </a:t>
-            </a:r>
-            <a:r>
-              <a:rPr lang="en-US" altLang="ko-KR" dirty="0"/>
-              <a:t> </a:t>
-            </a:r>
-            <a:r>
-              <a:rPr lang="en-US" altLang="ko-KR" dirty="0" smtClean="0"/>
-              <a:t>       </a:t>
-            </a:r>
-            <a:r>
-              <a:rPr lang="ko-KR" altLang="en-US" dirty="0" smtClean="0"/>
-              <a:t>창이 닫히고</a:t>
-            </a:r>
-            <a:r>
-              <a:rPr lang="en-US" altLang="ko-KR" dirty="0" smtClean="0"/>
-              <a:t>, </a:t>
-            </a:r>
-            <a:r>
-              <a:rPr lang="ko-KR" altLang="en-US" dirty="0" smtClean="0"/>
-              <a:t>이벤트 실패 대사가 출력된다</a:t>
-            </a:r>
-            <a:r>
-              <a:rPr lang="en-US" altLang="ko-KR" dirty="0"/>
-              <a:t>.</a:t>
-            </a:r>
-            <a:r>
-              <a:rPr lang="ko-KR" altLang="en-US" dirty="0" smtClean="0"/>
-              <a:t> </a:t>
-            </a:r>
-            <a:endParaRPr lang="ko-KR" altLang="en-US" dirty="0"/>
-          </a:p>
-        </p:txBody>
-      </p:sp>
-      <p:sp>
-        <p:nvSpPr>
-          <p:cNvPr id="16" name="TextBox 15"/>
-          <p:cNvSpPr txBox="1"/>
-          <p:nvPr/>
-        </p:nvSpPr>
-        <p:spPr>
-          <a:xfrm>
-            <a:off x="8034335" y="4356199"/>
-            <a:ext cx="3632200" cy="923330"/>
-          </a:xfrm>
-          <a:prstGeom prst="rect">
-            <a:avLst/>
-          </a:prstGeom>
-          <a:noFill/>
-        </p:spPr>
-        <p:txBody>
-          <a:bodyPr wrap="square" rtlCol="0">
-            <a:spAutoFit/>
-          </a:bodyPr>
-          <a:lstStyle/>
-          <a:p>
-            <a:r>
-              <a:rPr lang="ko-KR" altLang="en-US" dirty="0" smtClean="0"/>
-              <a:t>터치보드에 입력된 값이 있는 상태에서 적용 버튼을 누르면</a:t>
-            </a:r>
-            <a:r>
-              <a:rPr lang="en-US" altLang="ko-KR" dirty="0" smtClean="0"/>
-              <a:t> </a:t>
-            </a:r>
-            <a:r>
-              <a:rPr lang="ko-KR" altLang="en-US" dirty="0" smtClean="0"/>
-              <a:t>방명록 창이 사라진다</a:t>
-            </a:r>
-            <a:r>
-              <a:rPr lang="en-US" altLang="ko-KR" dirty="0" smtClean="0"/>
-              <a:t>. </a:t>
-            </a:r>
-            <a:r>
-              <a:rPr lang="ko-KR" altLang="en-US" dirty="0" smtClean="0"/>
-              <a:t>   </a:t>
-            </a:r>
-            <a:r>
-              <a:rPr lang="en-US" altLang="ko-KR" dirty="0" smtClean="0"/>
-              <a:t> </a:t>
-            </a:r>
-            <a:endParaRPr lang="ko-KR" altLang="en-US" dirty="0"/>
-          </a:p>
-        </p:txBody>
-      </p:sp>
-      <p:sp>
-        <p:nvSpPr>
-          <p:cNvPr id="17" name="타원 16"/>
-          <p:cNvSpPr/>
-          <p:nvPr/>
-        </p:nvSpPr>
-        <p:spPr>
-          <a:xfrm>
-            <a:off x="7521256" y="4385965"/>
-            <a:ext cx="459740" cy="431899"/>
-          </a:xfrm>
-          <a:prstGeom prst="ellipse">
-            <a:avLst/>
-          </a:prstGeom>
-        </p:spPr>
-        <p:style>
-          <a:lnRef idx="2">
-            <a:schemeClr val="dk1">
-              <a:shade val="50000"/>
-            </a:schemeClr>
-          </a:lnRef>
-          <a:fillRef idx="1">
-            <a:schemeClr val="dk1"/>
-          </a:fillRef>
-          <a:effectRef idx="0">
-            <a:schemeClr val="dk1"/>
-          </a:effectRef>
-          <a:fontRef idx="minor">
-            <a:schemeClr val="lt1"/>
-          </a:fontRef>
-        </p:style>
-        <p:txBody>
-          <a:bodyPr rtlCol="0" anchor="ctr"/>
-          <a:lstStyle/>
-          <a:p>
-            <a:pPr algn="ctr"/>
-            <a:r>
-              <a:rPr lang="en-US" altLang="ko-KR" dirty="0" smtClean="0"/>
-              <a:t>4</a:t>
-            </a:r>
-            <a:endParaRPr lang="ko-KR" altLang="en-US" dirty="0"/>
-          </a:p>
-        </p:txBody>
-      </p:sp>
-      <p:sp>
-        <p:nvSpPr>
-          <p:cNvPr id="18" name="타원 17"/>
-          <p:cNvSpPr/>
-          <p:nvPr/>
-        </p:nvSpPr>
-        <p:spPr>
-          <a:xfrm>
-            <a:off x="10474325" y="2349522"/>
-            <a:ext cx="459740" cy="431899"/>
-          </a:xfrm>
-          <a:prstGeom prst="ellipse">
-            <a:avLst/>
-          </a:prstGeom>
-        </p:spPr>
-        <p:style>
-          <a:lnRef idx="2">
-            <a:schemeClr val="dk1">
-              <a:shade val="50000"/>
-            </a:schemeClr>
-          </a:lnRef>
-          <a:fillRef idx="1">
-            <a:schemeClr val="dk1"/>
-          </a:fillRef>
-          <a:effectRef idx="0">
-            <a:schemeClr val="dk1"/>
-          </a:effectRef>
-          <a:fontRef idx="minor">
-            <a:schemeClr val="lt1"/>
-          </a:fontRef>
-        </p:style>
-        <p:txBody>
-          <a:bodyPr rtlCol="0" anchor="ctr"/>
-          <a:lstStyle/>
-          <a:p>
-            <a:pPr algn="ctr"/>
-            <a:r>
-              <a:rPr lang="en-US" altLang="ko-KR" dirty="0" smtClean="0"/>
-              <a:t>1</a:t>
-            </a:r>
-            <a:endParaRPr lang="ko-KR" altLang="en-US" dirty="0"/>
-          </a:p>
-        </p:txBody>
-      </p:sp>
-      <p:sp>
-        <p:nvSpPr>
-          <p:cNvPr id="20" name="직사각형 19"/>
-          <p:cNvSpPr/>
-          <p:nvPr/>
-        </p:nvSpPr>
-        <p:spPr>
-          <a:xfrm>
-            <a:off x="4732974" y="5335674"/>
-            <a:ext cx="2331720" cy="990600"/>
-          </a:xfrm>
-          <a:prstGeom prst="rect">
-            <a:avLst/>
-          </a:prstGeom>
-          <a:solidFill>
-            <a:schemeClr val="accent5">
-              <a:lumMod val="40000"/>
-              <a:lumOff val="60000"/>
-            </a:schemeClr>
-          </a:solidFill>
-        </p:spPr>
-        <p:style>
-          <a:lnRef idx="2">
-            <a:schemeClr val="accent1">
-              <a:shade val="50000"/>
-            </a:schemeClr>
-          </a:lnRef>
-          <a:fillRef idx="1">
-            <a:schemeClr val="accent1"/>
-          </a:fillRef>
-          <a:effectRef idx="0">
-            <a:schemeClr val="accent1"/>
-          </a:effectRef>
-          <a:fontRef idx="minor">
-            <a:schemeClr val="lt1"/>
-          </a:fontRef>
-        </p:style>
-        <p:txBody>
-          <a:bodyPr rtlCol="0" anchor="ctr"/>
-          <a:lstStyle/>
-          <a:p>
-            <a:pPr algn="ctr"/>
-            <a:endParaRPr lang="en-US" altLang="ko-KR" dirty="0" smtClean="0"/>
-          </a:p>
-        </p:txBody>
-      </p:sp>
-      <p:sp>
-        <p:nvSpPr>
-          <p:cNvPr id="21" name="TextBox 20"/>
-          <p:cNvSpPr txBox="1"/>
-          <p:nvPr/>
-        </p:nvSpPr>
-        <p:spPr>
-          <a:xfrm>
-            <a:off x="4499926" y="5692474"/>
-            <a:ext cx="2758440" cy="276999"/>
-          </a:xfrm>
-          <a:prstGeom prst="rect">
-            <a:avLst/>
-          </a:prstGeom>
-          <a:noFill/>
-        </p:spPr>
-        <p:txBody>
-          <a:bodyPr wrap="square" rtlCol="0">
-            <a:spAutoFit/>
-          </a:bodyPr>
-          <a:lstStyle/>
-          <a:p>
-            <a:pPr algn="ctr"/>
-            <a:r>
-              <a:rPr lang="ko-KR" altLang="en-US" sz="1200" dirty="0" smtClean="0"/>
-              <a:t>터치보드를 작성해주세요</a:t>
-            </a:r>
-            <a:endParaRPr lang="en-US" altLang="ko-KR" sz="1200" dirty="0" smtClean="0"/>
-          </a:p>
-        </p:txBody>
-      </p:sp>
-      <p:sp>
-        <p:nvSpPr>
-          <p:cNvPr id="26" name="타원 25"/>
-          <p:cNvSpPr/>
-          <p:nvPr/>
-        </p:nvSpPr>
-        <p:spPr>
-          <a:xfrm>
-            <a:off x="7529192" y="3411388"/>
-            <a:ext cx="459740" cy="431899"/>
-          </a:xfrm>
-          <a:prstGeom prst="ellipse">
-            <a:avLst/>
-          </a:prstGeom>
-        </p:spPr>
-        <p:style>
-          <a:lnRef idx="2">
-            <a:schemeClr val="dk1">
-              <a:shade val="50000"/>
-            </a:schemeClr>
-          </a:lnRef>
-          <a:fillRef idx="1">
-            <a:schemeClr val="dk1"/>
-          </a:fillRef>
-          <a:effectRef idx="0">
-            <a:schemeClr val="dk1"/>
-          </a:effectRef>
-          <a:fontRef idx="minor">
-            <a:schemeClr val="lt1"/>
-          </a:fontRef>
-        </p:style>
-        <p:txBody>
-          <a:bodyPr rtlCol="0" anchor="ctr"/>
-          <a:lstStyle/>
-          <a:p>
-            <a:pPr algn="ctr"/>
-            <a:r>
-              <a:rPr lang="en-US" altLang="ko-KR" dirty="0" smtClean="0"/>
-              <a:t>3</a:t>
-            </a:r>
-            <a:endParaRPr lang="ko-KR" altLang="en-US" dirty="0"/>
-          </a:p>
-        </p:txBody>
-      </p:sp>
-      <p:sp>
-        <p:nvSpPr>
-          <p:cNvPr id="27" name="TextBox 26"/>
-          <p:cNvSpPr txBox="1"/>
-          <p:nvPr/>
-        </p:nvSpPr>
-        <p:spPr>
-          <a:xfrm>
-            <a:off x="7988932" y="3387044"/>
-            <a:ext cx="3632200" cy="923330"/>
-          </a:xfrm>
-          <a:prstGeom prst="rect">
-            <a:avLst/>
-          </a:prstGeom>
-          <a:noFill/>
-        </p:spPr>
-        <p:txBody>
-          <a:bodyPr wrap="square" rtlCol="0">
-            <a:spAutoFit/>
-          </a:bodyPr>
-          <a:lstStyle/>
-          <a:p>
-            <a:r>
-              <a:rPr lang="ko-KR" altLang="en-US" dirty="0" smtClean="0"/>
-              <a:t>플레이어가 자유롭게 </a:t>
-            </a:r>
-            <a:r>
-              <a:rPr lang="en-US" altLang="ko-KR" dirty="0" smtClean="0"/>
-              <a:t>Touch&amp;Draw</a:t>
-            </a:r>
-            <a:r>
-              <a:rPr lang="ko-KR" altLang="en-US" dirty="0" smtClean="0"/>
-              <a:t>를 할 수 있는 공간</a:t>
-            </a:r>
-            <a:endParaRPr lang="en-US" altLang="ko-KR" dirty="0" smtClean="0"/>
-          </a:p>
-          <a:p>
-            <a:r>
-              <a:rPr lang="en-US" altLang="ko-KR" dirty="0" smtClean="0"/>
-              <a:t>(1</a:t>
-            </a:r>
-            <a:r>
-              <a:rPr lang="ko-KR" altLang="en-US" dirty="0" smtClean="0"/>
-              <a:t>차 프로토 기능 미 구현</a:t>
-            </a:r>
-            <a:r>
-              <a:rPr lang="en-US" altLang="ko-KR" dirty="0"/>
-              <a:t>)</a:t>
-            </a:r>
-            <a:r>
-              <a:rPr lang="ko-KR" altLang="en-US" dirty="0" smtClean="0"/>
-              <a:t>   </a:t>
-            </a:r>
-            <a:r>
-              <a:rPr lang="en-US" altLang="ko-KR" dirty="0" smtClean="0"/>
-              <a:t> </a:t>
-            </a:r>
-            <a:endParaRPr lang="ko-KR" altLang="en-US" dirty="0"/>
-          </a:p>
-        </p:txBody>
-      </p:sp>
-      <p:sp>
-        <p:nvSpPr>
-          <p:cNvPr id="28" name="타원 27"/>
-          <p:cNvSpPr/>
-          <p:nvPr/>
-        </p:nvSpPr>
-        <p:spPr>
-          <a:xfrm>
-            <a:off x="7529192" y="5335674"/>
-            <a:ext cx="459740" cy="431899"/>
-          </a:xfrm>
-          <a:prstGeom prst="ellipse">
-            <a:avLst/>
-          </a:prstGeom>
-        </p:spPr>
-        <p:style>
-          <a:lnRef idx="2">
-            <a:schemeClr val="dk1">
-              <a:shade val="50000"/>
-            </a:schemeClr>
-          </a:lnRef>
-          <a:fillRef idx="1">
-            <a:schemeClr val="dk1"/>
-          </a:fillRef>
-          <a:effectRef idx="0">
-            <a:schemeClr val="dk1"/>
-          </a:effectRef>
-          <a:fontRef idx="minor">
-            <a:schemeClr val="lt1"/>
-          </a:fontRef>
-        </p:style>
-        <p:txBody>
-          <a:bodyPr rtlCol="0" anchor="ctr"/>
-          <a:lstStyle/>
-          <a:p>
-            <a:pPr algn="ctr"/>
-            <a:r>
-              <a:rPr lang="en-US" altLang="ko-KR" dirty="0" smtClean="0"/>
-              <a:t>5</a:t>
-            </a:r>
-            <a:endParaRPr lang="ko-KR" altLang="en-US" dirty="0"/>
-          </a:p>
-        </p:txBody>
-      </p:sp>
-      <p:sp>
-        <p:nvSpPr>
-          <p:cNvPr id="29" name="TextBox 28"/>
-          <p:cNvSpPr txBox="1"/>
-          <p:nvPr/>
-        </p:nvSpPr>
-        <p:spPr>
-          <a:xfrm>
-            <a:off x="8008936" y="5346873"/>
-            <a:ext cx="3632200" cy="1200329"/>
-          </a:xfrm>
-          <a:prstGeom prst="rect">
-            <a:avLst/>
-          </a:prstGeom>
-          <a:noFill/>
-        </p:spPr>
-        <p:txBody>
-          <a:bodyPr wrap="square" rtlCol="0">
-            <a:spAutoFit/>
-          </a:bodyPr>
-          <a:lstStyle/>
-          <a:p>
-            <a:r>
-              <a:rPr lang="ko-KR" altLang="en-US" dirty="0" smtClean="0"/>
-              <a:t>팝업창</a:t>
-            </a:r>
-            <a:r>
-              <a:rPr lang="en-US" altLang="ko-KR" dirty="0" smtClean="0"/>
-              <a:t>, </a:t>
-            </a:r>
-            <a:r>
-              <a:rPr lang="ko-KR" altLang="en-US" dirty="0" smtClean="0"/>
-              <a:t>터치보드에 입력된 값이 없는 상태에서 </a:t>
-            </a:r>
-            <a:r>
-              <a:rPr lang="en-US" altLang="ko-KR" dirty="0" smtClean="0"/>
-              <a:t>“</a:t>
-            </a:r>
-            <a:r>
-              <a:rPr lang="ko-KR" altLang="en-US" dirty="0" smtClean="0"/>
-              <a:t>적용</a:t>
-            </a:r>
-            <a:r>
-              <a:rPr lang="en-US" altLang="ko-KR" dirty="0" smtClean="0"/>
-              <a:t>” </a:t>
-            </a:r>
-            <a:r>
-              <a:rPr lang="ko-KR" altLang="en-US" dirty="0" smtClean="0"/>
-              <a:t>버튼을 눌렀을 때 등장한다</a:t>
-            </a:r>
-            <a:r>
-              <a:rPr lang="en-US" altLang="ko-KR" dirty="0" smtClean="0"/>
-              <a:t>. </a:t>
-            </a:r>
-            <a:r>
-              <a:rPr lang="ko-KR" altLang="en-US" dirty="0" smtClean="0"/>
-              <a:t>등장 뒤 </a:t>
-            </a:r>
-            <a:r>
-              <a:rPr lang="en-US" altLang="ko-KR" dirty="0" smtClean="0"/>
-              <a:t>2</a:t>
-            </a:r>
-            <a:r>
-              <a:rPr lang="ko-KR" altLang="en-US" dirty="0" smtClean="0"/>
-              <a:t>초 뒤 사라진다</a:t>
-            </a:r>
-            <a:r>
-              <a:rPr lang="en-US" altLang="ko-KR" dirty="0" smtClean="0"/>
-              <a:t>. </a:t>
-            </a:r>
-            <a:endParaRPr lang="ko-KR" altLang="en-US" dirty="0"/>
-          </a:p>
-        </p:txBody>
-      </p:sp>
-      <p:sp>
-        <p:nvSpPr>
-          <p:cNvPr id="30" name="직사각형 29"/>
-          <p:cNvSpPr/>
-          <p:nvPr/>
-        </p:nvSpPr>
-        <p:spPr>
-          <a:xfrm>
-            <a:off x="4553096" y="1265825"/>
-            <a:ext cx="2664629" cy="3972925"/>
+            <a:off x="4534511" y="1413581"/>
+            <a:ext cx="1579903" cy="866724"/>
           </a:xfrm>
           <a:prstGeom prst="rect">
             <a:avLst/>
@@ -9904,14 +10751,58 @@
       </p:sp>
       <p:sp>
         <p:nvSpPr>
-          <p:cNvPr id="31" name="직사각형 30"/>
+          <p:cNvPr id="10" name="타원 9"/>
           <p:cNvSpPr/>
           <p:nvPr/>
         </p:nvSpPr>
         <p:spPr>
           <a:xfrm>
-            <a:off x="6678771" y="1404846"/>
-            <a:ext cx="459740" cy="431898"/>
+            <a:off x="4349931" y="1197632"/>
+            <a:ext cx="459740" cy="431899"/>
+          </a:xfrm>
+          <a:prstGeom prst="ellipse">
+            <a:avLst/>
+          </a:prstGeom>
+        </p:spPr>
+        <p:style>
+          <a:lnRef idx="2">
+            <a:schemeClr val="dk1">
+              <a:shade val="50000"/>
+            </a:schemeClr>
+          </a:lnRef>
+          <a:fillRef idx="1">
+            <a:schemeClr val="dk1"/>
+          </a:fillRef>
+          <a:effectRef idx="0">
+            <a:schemeClr val="dk1"/>
+          </a:effectRef>
+          <a:fontRef idx="minor">
+            <a:schemeClr val="lt1"/>
+          </a:fontRef>
+        </p:style>
+        <p:txBody>
+          <a:bodyPr rtlCol="0" anchor="ctr"/>
+          <a:lstStyle/>
+          <a:p>
+            <a:pPr algn="ctr"/>
+            <a:r>
+              <a:rPr lang="en-US" altLang="ko-KR" dirty="0" smtClean="0"/>
+              <a:t>1</a:t>
+            </a:r>
+            <a:endParaRPr lang="ko-KR" altLang="en-US" dirty="0"/>
+          </a:p>
+        </p:txBody>
+      </p:sp>
+      <p:sp>
+        <p:nvSpPr>
+          <p:cNvPr id="13" name="직사각형 12"/>
+          <p:cNvSpPr/>
+          <p:nvPr/>
+        </p:nvSpPr>
+        <p:spPr>
+          <a:xfrm>
+            <a:off x="4711430" y="2426283"/>
+            <a:ext cx="940520" cy="362637"/>
           </a:xfrm>
           <a:prstGeom prst="rect">
             <a:avLst/>
@@ -9950,13 +10841,13 @@
       </p:sp>
       <p:sp>
         <p:nvSpPr>
-          <p:cNvPr id="9" name="타원 8"/>
+          <p:cNvPr id="11" name="타원 10"/>
           <p:cNvSpPr/>
           <p:nvPr/>
         </p:nvSpPr>
         <p:spPr>
           <a:xfrm>
-            <a:off x="4349750" y="1126790"/>
+            <a:off x="5481769" y="2547966"/>
             <a:ext cx="459740" cy="431899"/>
           </a:xfrm>
           <a:prstGeom prst="ellipse">
@@ -9986,7 +10877,7 @@
             <a:pPr algn="ctr"/>
             <a:r>
               <a:rPr lang="en-US" altLang="ko-KR" dirty="0" smtClean="0"/>
-              <a:t>1</a:t>
+              <a:t>2</a:t>
             </a:r>
             <a:endParaRPr lang="ko-KR" altLang="en-US" dirty="0"/>
           </a:p>
@@ -9994,151 +10885,13 @@
       </p:sp>
       <p:sp>
         <p:nvSpPr>
-          <p:cNvPr id="34" name="직사각형 33"/>
+          <p:cNvPr id="14" name="타원 13"/>
           <p:cNvSpPr/>
           <p:nvPr/>
         </p:nvSpPr>
         <p:spPr>
           <a:xfrm>
-            <a:off x="4716461" y="2069360"/>
-            <a:ext cx="2347279" cy="2493116"/>
-          </a:xfrm>
-          <a:prstGeom prst="rect">
-            <a:avLst/>
-          </a:prstGeom>
-          <a:noFill/>
-          <a:ln w="38100">
-            <a:solidFill>
-              <a:schemeClr val="tx1"/>
-            </a:solidFill>
-          </a:ln>
-        </p:spPr>
-        <p:style>
-          <a:lnRef idx="2">
-            <a:schemeClr val="accent1">
-              <a:shade val="50000"/>
-            </a:schemeClr>
-          </a:lnRef>
-          <a:fillRef idx="1">
-            <a:schemeClr val="accent1"/>
-          </a:fillRef>
-          <a:effectRef idx="0">
-            <a:schemeClr val="accent1"/>
-          </a:effectRef>
-          <a:fontRef idx="minor">
-            <a:schemeClr val="lt1"/>
-          </a:fontRef>
-        </p:style>
-        <p:txBody>
-          <a:bodyPr rtlCol="0" anchor="ctr"/>
-          <a:lstStyle/>
-          <a:p>
-            <a:pPr algn="ctr"/>
-            <a:endParaRPr lang="ko-KR" altLang="en-US"/>
-          </a:p>
-        </p:txBody>
-      </p:sp>
-      <p:sp>
-        <p:nvSpPr>
-          <p:cNvPr id="35" name="직사각형 34"/>
-          <p:cNvSpPr/>
-          <p:nvPr/>
-        </p:nvSpPr>
-        <p:spPr>
-          <a:xfrm>
-            <a:off x="5267006" y="4633513"/>
-            <a:ext cx="1261745" cy="444888"/>
-          </a:xfrm>
-          <a:prstGeom prst="rect">
-            <a:avLst/>
-          </a:prstGeom>
-          <a:noFill/>
-          <a:ln w="38100">
-            <a:solidFill>
-              <a:schemeClr val="tx1"/>
-            </a:solidFill>
-          </a:ln>
-        </p:spPr>
-        <p:style>
-          <a:lnRef idx="2">
-            <a:schemeClr val="accent1">
-              <a:shade val="50000"/>
-            </a:schemeClr>
-          </a:lnRef>
-          <a:fillRef idx="1">
-            <a:schemeClr val="accent1"/>
-          </a:fillRef>
-          <a:effectRef idx="0">
-            <a:schemeClr val="accent1"/>
-          </a:effectRef>
-          <a:fontRef idx="minor">
-            <a:schemeClr val="lt1"/>
-          </a:fontRef>
-        </p:style>
-        <p:txBody>
-          <a:bodyPr rtlCol="0" anchor="ctr"/>
-          <a:lstStyle/>
-          <a:p>
-            <a:pPr algn="ctr"/>
-            <a:endParaRPr lang="ko-KR" altLang="en-US"/>
-          </a:p>
-        </p:txBody>
-      </p:sp>
-      <p:sp>
-        <p:nvSpPr>
-          <p:cNvPr id="36" name="직사각형 35"/>
-          <p:cNvSpPr/>
-          <p:nvPr/>
-        </p:nvSpPr>
-        <p:spPr>
-          <a:xfrm>
-            <a:off x="4732020" y="5335749"/>
-            <a:ext cx="2352678" cy="1000049"/>
-          </a:xfrm>
-          <a:prstGeom prst="rect">
-            <a:avLst/>
-          </a:prstGeom>
-          <a:noFill/>
-          <a:ln w="38100">
-            <a:solidFill>
-              <a:schemeClr val="tx1"/>
-            </a:solidFill>
-          </a:ln>
-        </p:spPr>
-        <p:style>
-          <a:lnRef idx="2">
-            <a:schemeClr val="accent1">
-              <a:shade val="50000"/>
-            </a:schemeClr>
-          </a:lnRef>
-          <a:fillRef idx="1">
-            <a:schemeClr val="accent1"/>
-          </a:fillRef>
-          <a:effectRef idx="0">
-            <a:schemeClr val="accent1"/>
-          </a:effectRef>
-          <a:fontRef idx="minor">
-            <a:schemeClr val="lt1"/>
-          </a:fontRef>
-        </p:style>
-        <p:txBody>
-          <a:bodyPr rtlCol="0" anchor="ctr"/>
-          <a:lstStyle/>
-          <a:p>
-            <a:pPr algn="ctr"/>
-            <a:endParaRPr lang="ko-KR" altLang="en-US"/>
-          </a:p>
-        </p:txBody>
-      </p:sp>
-      <p:sp>
-        <p:nvSpPr>
-          <p:cNvPr id="11" name="타원 10"/>
-          <p:cNvSpPr/>
-          <p:nvPr/>
-        </p:nvSpPr>
-        <p:spPr>
-          <a:xfrm>
-            <a:off x="4486591" y="1881170"/>
+            <a:off x="7568017" y="1506405"/>
             <a:ext cx="459740" cy="431899"/>
           </a:xfrm>
           <a:prstGeom prst="ellipse">
@@ -10168,7 +10921,7 @@
             <a:pPr algn="ctr"/>
             <a:r>
               <a:rPr lang="en-US" altLang="ko-KR" dirty="0" smtClean="0"/>
-              <a:t>3</a:t>
+              <a:t>1</a:t>
             </a:r>
             <a:endParaRPr lang="ko-KR" altLang="en-US" dirty="0"/>
           </a:p>
@@ -10176,13 +10929,13 @@
       </p:sp>
       <p:sp>
         <p:nvSpPr>
-          <p:cNvPr id="10" name="타원 9"/>
+          <p:cNvPr id="15" name="타원 14"/>
           <p:cNvSpPr/>
           <p:nvPr/>
         </p:nvSpPr>
         <p:spPr>
           <a:xfrm>
-            <a:off x="6333965" y="1112172"/>
+            <a:off x="7550604" y="4182202"/>
             <a:ext cx="459740" cy="431899"/>
           </a:xfrm>
           <a:prstGeom prst="ellipse">
@@ -10220,96 +10973,212 @@
       </p:sp>
       <p:sp>
         <p:nvSpPr>
-          <p:cNvPr id="22" name="타원 21"/>
-          <p:cNvSpPr/>
-          <p:nvPr/>
-        </p:nvSpPr>
-        <p:spPr>
-          <a:xfrm>
-            <a:off x="4999828" y="4468713"/>
-            <a:ext cx="459740" cy="431899"/>
-          </a:xfrm>
-          <a:prstGeom prst="ellipse">
-            <a:avLst/>
-          </a:prstGeom>
-        </p:spPr>
-        <p:style>
-          <a:lnRef idx="2">
-            <a:schemeClr val="dk1">
-              <a:shade val="50000"/>
-            </a:schemeClr>
-          </a:lnRef>
-          <a:fillRef idx="1">
-            <a:schemeClr val="dk1"/>
-          </a:fillRef>
-          <a:effectRef idx="0">
-            <a:schemeClr val="dk1"/>
-          </a:effectRef>
-          <a:fontRef idx="minor">
-            <a:schemeClr val="lt1"/>
-          </a:fontRef>
-        </p:style>
-        <p:txBody>
-          <a:bodyPr rtlCol="0" anchor="ctr"/>
-          <a:lstStyle/>
-          <a:p>
-            <a:pPr algn="ctr"/>
-            <a:r>
-              <a:rPr lang="en-US" altLang="ko-KR" dirty="0" smtClean="0"/>
-              <a:t>4</a:t>
-            </a:r>
-            <a:endParaRPr lang="ko-KR" altLang="en-US" dirty="0"/>
-          </a:p>
-        </p:txBody>
-      </p:sp>
-      <p:sp>
-        <p:nvSpPr>
-          <p:cNvPr id="23" name="타원 22"/>
-          <p:cNvSpPr/>
-          <p:nvPr/>
-        </p:nvSpPr>
-        <p:spPr>
-          <a:xfrm>
-            <a:off x="4502150" y="5238750"/>
-            <a:ext cx="459740" cy="431899"/>
-          </a:xfrm>
-          <a:prstGeom prst="ellipse">
-            <a:avLst/>
-          </a:prstGeom>
-        </p:spPr>
-        <p:style>
-          <a:lnRef idx="2">
-            <a:schemeClr val="dk1">
-              <a:shade val="50000"/>
-            </a:schemeClr>
-          </a:lnRef>
-          <a:fillRef idx="1">
-            <a:schemeClr val="dk1"/>
-          </a:fillRef>
-          <a:effectRef idx="0">
-            <a:schemeClr val="dk1"/>
-          </a:effectRef>
-          <a:fontRef idx="minor">
-            <a:schemeClr val="lt1"/>
-          </a:fontRef>
-        </p:style>
-        <p:txBody>
-          <a:bodyPr rtlCol="0" anchor="ctr"/>
-          <a:lstStyle/>
-          <a:p>
-            <a:pPr algn="ctr"/>
+          <p:cNvPr id="16" name="TextBox 15"/>
+          <p:cNvSpPr txBox="1"/>
+          <p:nvPr/>
+        </p:nvSpPr>
+        <p:spPr>
+          <a:xfrm>
+            <a:off x="7980996" y="1510770"/>
+            <a:ext cx="3982404" cy="2031325"/>
+          </a:xfrm>
+          <a:prstGeom prst="rect">
+            <a:avLst/>
+          </a:prstGeom>
+          <a:noFill/>
+        </p:spPr>
+        <p:txBody>
+          <a:bodyPr wrap="square" rtlCol="0">
+            <a:spAutoFit/>
+          </a:bodyPr>
+          <a:lstStyle/>
+          <a:p>
+            <a:r>
+              <a:rPr lang="en-US" altLang="ko-KR" dirty="0" smtClean="0"/>
+              <a:t>a. </a:t>
+            </a:r>
+            <a:r>
+              <a:rPr lang="ko-KR" altLang="en-US" dirty="0" smtClean="0"/>
+              <a:t>취향 맞추기의 선택지 에셋 파일을 </a:t>
+            </a:r>
+            <a:r>
+              <a:rPr lang="en-US" altLang="ko-KR" dirty="0" smtClean="0"/>
+              <a:t>3D GUI </a:t>
+            </a:r>
+            <a:r>
+              <a:rPr lang="ko-KR" altLang="en-US" dirty="0" smtClean="0"/>
+              <a:t>형식으로 출력한다</a:t>
+            </a:r>
+            <a:r>
+              <a:rPr lang="en-US" altLang="ko-KR" dirty="0" smtClean="0"/>
+              <a:t>. </a:t>
+            </a:r>
+          </a:p>
+          <a:p>
+            <a:r>
+              <a:rPr lang="en-US" altLang="ko-KR" dirty="0" smtClean="0"/>
+              <a:t>b. </a:t>
+            </a:r>
+            <a:r>
+              <a:rPr lang="ko-KR" altLang="en-US" dirty="0" smtClean="0"/>
+              <a:t>목표 지점 범위 </a:t>
+            </a:r>
+            <a:r>
+              <a:rPr lang="en-US" altLang="ko-KR" dirty="0" smtClean="0"/>
+              <a:t>3m</a:t>
+            </a:r>
+            <a:r>
+              <a:rPr lang="ko-KR" altLang="en-US" dirty="0" smtClean="0"/>
+              <a:t>안 </a:t>
+            </a:r>
+            <a:r>
+              <a:rPr lang="en-US" altLang="ko-KR" dirty="0" smtClean="0"/>
+              <a:t>1.7m </a:t>
+            </a:r>
+            <a:r>
+              <a:rPr lang="ko-KR" altLang="en-US" dirty="0" smtClean="0"/>
+              <a:t>상공에서 각 선택지끼리 </a:t>
+            </a:r>
+            <a:r>
+              <a:rPr lang="en-US" altLang="ko-KR" dirty="0" smtClean="0"/>
+              <a:t>30cm</a:t>
+            </a:r>
+            <a:r>
+              <a:rPr lang="ko-KR" altLang="en-US" dirty="0" smtClean="0"/>
+              <a:t>의 간격을 두고 나란히 띄운다</a:t>
+            </a:r>
+            <a:r>
+              <a:rPr lang="en-US" altLang="ko-KR" dirty="0" smtClean="0"/>
+              <a:t>.</a:t>
+            </a:r>
+          </a:p>
+          <a:p>
+            <a:r>
+              <a:rPr lang="en-US" altLang="ko-KR" dirty="0" smtClean="0"/>
+              <a:t>c. </a:t>
+            </a:r>
+            <a:r>
+              <a:rPr lang="ko-KR" altLang="en-US" dirty="0" smtClean="0"/>
+              <a:t>해당 </a:t>
+            </a:r>
+            <a:r>
+              <a:rPr lang="en-US" altLang="ko-KR" dirty="0" smtClean="0"/>
+              <a:t>GUI</a:t>
+            </a:r>
+            <a:r>
+              <a:rPr lang="ko-KR" altLang="en-US" dirty="0" smtClean="0"/>
+              <a:t>를 클릭하면 선택지 관련 이벤트가 발생한다</a:t>
+            </a:r>
+            <a:r>
+              <a:rPr lang="en-US" altLang="ko-KR" dirty="0" smtClean="0"/>
+              <a:t>. </a:t>
+            </a:r>
+            <a:endParaRPr lang="en-US" altLang="ko-KR" dirty="0" smtClean="0"/>
+          </a:p>
+        </p:txBody>
+      </p:sp>
+      <p:sp>
+        <p:nvSpPr>
+          <p:cNvPr id="17" name="TextBox 16"/>
+          <p:cNvSpPr txBox="1"/>
+          <p:nvPr/>
+        </p:nvSpPr>
+        <p:spPr>
+          <a:xfrm>
+            <a:off x="7994721" y="4147573"/>
+            <a:ext cx="4037334" cy="1477328"/>
+          </a:xfrm>
+          <a:prstGeom prst="rect">
+            <a:avLst/>
+          </a:prstGeom>
+          <a:noFill/>
+        </p:spPr>
+        <p:txBody>
+          <a:bodyPr wrap="square" rtlCol="0">
+            <a:spAutoFit/>
+          </a:bodyPr>
+          <a:lstStyle/>
+          <a:p>
+            <a:r>
+              <a:rPr lang="en-US" altLang="ko-KR" dirty="0" smtClean="0"/>
+              <a:t>a. </a:t>
+            </a:r>
+            <a:r>
+              <a:rPr lang="ko-KR" altLang="en-US" dirty="0" smtClean="0"/>
+              <a:t>선택지 명을 </a:t>
+            </a:r>
+            <a:r>
+              <a:rPr lang="en-US" altLang="ko-KR" dirty="0" smtClean="0"/>
+              <a:t>2D </a:t>
+            </a:r>
+            <a:r>
+              <a:rPr lang="ko-KR" altLang="en-US" dirty="0" smtClean="0"/>
+              <a:t>팝업으로 출력한다</a:t>
+            </a:r>
+            <a:r>
+              <a:rPr lang="en-US" altLang="ko-KR" dirty="0" smtClean="0"/>
+              <a:t>. </a:t>
+            </a:r>
+          </a:p>
+          <a:p>
+            <a:r>
+              <a:rPr lang="en-US" altLang="ko-KR" dirty="0" smtClean="0"/>
+              <a:t>b. </a:t>
+            </a:r>
+            <a:r>
+              <a:rPr lang="ko-KR" altLang="en-US" dirty="0" smtClean="0"/>
+              <a:t>관련 </a:t>
+            </a:r>
+            <a:r>
+              <a:rPr lang="en-US" altLang="ko-KR" dirty="0" smtClean="0"/>
+              <a:t>3D</a:t>
+            </a:r>
+            <a:r>
+              <a:rPr lang="ko-KR" altLang="en-US" dirty="0" smtClean="0"/>
+              <a:t> 에셋 위치 밑에 </a:t>
+            </a:r>
+            <a:r>
+              <a:rPr lang="en-US" altLang="ko-KR" dirty="0" smtClean="0"/>
+              <a:t>20cm </a:t>
+            </a:r>
+            <a:r>
+              <a:rPr lang="ko-KR" altLang="en-US" dirty="0" smtClean="0"/>
+              <a:t>간격을 두고 출력한다</a:t>
+            </a:r>
+            <a:r>
+              <a:rPr lang="en-US" altLang="ko-KR" dirty="0" smtClean="0"/>
+              <a:t>.</a:t>
+            </a:r>
+          </a:p>
+          <a:p>
+            <a:r>
+              <a:rPr lang="en-US" altLang="ko-KR" dirty="0" smtClean="0"/>
+              <a:t>c. </a:t>
+            </a:r>
+            <a:r>
+              <a:rPr lang="ko-KR" altLang="en-US" dirty="0"/>
+              <a:t>해당 </a:t>
+            </a:r>
+            <a:r>
+              <a:rPr lang="en-US" altLang="ko-KR" dirty="0" smtClean="0"/>
+              <a:t>UI</a:t>
+            </a:r>
+            <a:r>
+              <a:rPr lang="ko-KR" altLang="en-US" dirty="0"/>
+              <a:t>를 클릭하면 선택지 관련 이벤트가 발생한다</a:t>
+            </a:r>
             <a:r>
               <a:rPr lang="en-US" altLang="ko-KR" dirty="0"/>
-              <a:t>5</a:t>
-            </a:r>
-            <a:endParaRPr lang="ko-KR" altLang="en-US" dirty="0"/>
+              <a:t>. </a:t>
+            </a:r>
+            <a:endParaRPr lang="en-US" altLang="ko-KR" dirty="0" smtClean="0"/>
           </a:p>
         </p:txBody>
       </p:sp>
     </p:spTree>
     <p:extLst>
       <p:ext uri="{BB962C8B-B14F-4D97-AF65-F5344CB8AC3E}">
-        <p14:creationId xmlns:p14="http://schemas.microsoft.com/office/powerpoint/2010/main" val="3299594759"/>
+        <p14:creationId xmlns:p14="http://schemas.microsoft.com/office/powerpoint/2010/main" val="168914059"/>
       </p:ext>
     </p:extLst>
   </p:cSld>

--- a/00.기획서/221020_팝업UI시스템 기획서_V100.pptx
+++ b/00.기획서/221020_팝업UI시스템 기획서_V100.pptx
@@ -254,7 +254,7 @@
           <a:p>
             <a:fld id="{23371DCC-86D8-407E-BFE8-EAA3C6A0F810}" type="datetimeFigureOut">
               <a:rPr lang="ko-KR" altLang="en-US" smtClean="0"/>
-              <a:t>2022-10-21</a:t>
+              <a:t>2022-10-24</a:t>
             </a:fld>
             <a:endParaRPr lang="ko-KR" altLang="en-US"/>
           </a:p>
@@ -424,7 +424,7 @@
           <a:p>
             <a:fld id="{23371DCC-86D8-407E-BFE8-EAA3C6A0F810}" type="datetimeFigureOut">
               <a:rPr lang="ko-KR" altLang="en-US" smtClean="0"/>
-              <a:t>2022-10-21</a:t>
+              <a:t>2022-10-24</a:t>
             </a:fld>
             <a:endParaRPr lang="ko-KR" altLang="en-US"/>
           </a:p>
@@ -604,7 +604,7 @@
           <a:p>
             <a:fld id="{23371DCC-86D8-407E-BFE8-EAA3C6A0F810}" type="datetimeFigureOut">
               <a:rPr lang="ko-KR" altLang="en-US" smtClean="0"/>
-              <a:t>2022-10-21</a:t>
+              <a:t>2022-10-24</a:t>
             </a:fld>
             <a:endParaRPr lang="ko-KR" altLang="en-US"/>
           </a:p>
@@ -774,7 +774,7 @@
           <a:p>
             <a:fld id="{23371DCC-86D8-407E-BFE8-EAA3C6A0F810}" type="datetimeFigureOut">
               <a:rPr lang="ko-KR" altLang="en-US" smtClean="0"/>
-              <a:t>2022-10-21</a:t>
+              <a:t>2022-10-24</a:t>
             </a:fld>
             <a:endParaRPr lang="ko-KR" altLang="en-US"/>
           </a:p>
@@ -1020,7 +1020,7 @@
           <a:p>
             <a:fld id="{23371DCC-86D8-407E-BFE8-EAA3C6A0F810}" type="datetimeFigureOut">
               <a:rPr lang="ko-KR" altLang="en-US" smtClean="0"/>
-              <a:t>2022-10-21</a:t>
+              <a:t>2022-10-24</a:t>
             </a:fld>
             <a:endParaRPr lang="ko-KR" altLang="en-US"/>
           </a:p>
@@ -1252,7 +1252,7 @@
           <a:p>
             <a:fld id="{23371DCC-86D8-407E-BFE8-EAA3C6A0F810}" type="datetimeFigureOut">
               <a:rPr lang="ko-KR" altLang="en-US" smtClean="0"/>
-              <a:t>2022-10-21</a:t>
+              <a:t>2022-10-24</a:t>
             </a:fld>
             <a:endParaRPr lang="ko-KR" altLang="en-US"/>
           </a:p>
@@ -1619,7 +1619,7 @@
           <a:p>
             <a:fld id="{23371DCC-86D8-407E-BFE8-EAA3C6A0F810}" type="datetimeFigureOut">
               <a:rPr lang="ko-KR" altLang="en-US" smtClean="0"/>
-              <a:t>2022-10-21</a:t>
+              <a:t>2022-10-24</a:t>
             </a:fld>
             <a:endParaRPr lang="ko-KR" altLang="en-US"/>
           </a:p>
@@ -1737,7 +1737,7 @@
           <a:p>
             <a:fld id="{23371DCC-86D8-407E-BFE8-EAA3C6A0F810}" type="datetimeFigureOut">
               <a:rPr lang="ko-KR" altLang="en-US" smtClean="0"/>
-              <a:t>2022-10-21</a:t>
+              <a:t>2022-10-24</a:t>
             </a:fld>
             <a:endParaRPr lang="ko-KR" altLang="en-US"/>
           </a:p>
@@ -1832,7 +1832,7 @@
           <a:p>
             <a:fld id="{23371DCC-86D8-407E-BFE8-EAA3C6A0F810}" type="datetimeFigureOut">
               <a:rPr lang="ko-KR" altLang="en-US" smtClean="0"/>
-              <a:t>2022-10-21</a:t>
+              <a:t>2022-10-24</a:t>
             </a:fld>
             <a:endParaRPr lang="ko-KR" altLang="en-US"/>
           </a:p>
@@ -2109,7 +2109,7 @@
           <a:p>
             <a:fld id="{23371DCC-86D8-407E-BFE8-EAA3C6A0F810}" type="datetimeFigureOut">
               <a:rPr lang="ko-KR" altLang="en-US" smtClean="0"/>
-              <a:t>2022-10-21</a:t>
+              <a:t>2022-10-24</a:t>
             </a:fld>
             <a:endParaRPr lang="ko-KR" altLang="en-US"/>
           </a:p>
@@ -2362,7 +2362,7 @@
           <a:p>
             <a:fld id="{23371DCC-86D8-407E-BFE8-EAA3C6A0F810}" type="datetimeFigureOut">
               <a:rPr lang="ko-KR" altLang="en-US" smtClean="0"/>
-              <a:t>2022-10-21</a:t>
+              <a:t>2022-10-24</a:t>
             </a:fld>
             <a:endParaRPr lang="ko-KR" altLang="en-US"/>
           </a:p>
@@ -2575,7 +2575,7 @@
           <a:p>
             <a:fld id="{23371DCC-86D8-407E-BFE8-EAA3C6A0F810}" type="datetimeFigureOut">
               <a:rPr lang="ko-KR" altLang="en-US" smtClean="0"/>
-              <a:t>2022-10-21</a:t>
+              <a:t>2022-10-24</a:t>
             </a:fld>
             <a:endParaRPr lang="ko-KR" altLang="en-US"/>
           </a:p>
@@ -3851,11 +3851,7 @@
             <a:pPr algn="ctr"/>
             <a:r>
               <a:rPr lang="ko-KR" altLang="en-US" dirty="0" smtClean="0"/>
-              <a:t>캐릭터 </a:t>
-            </a:r>
-            <a:r>
-              <a:rPr lang="ko-KR" altLang="en-US" dirty="0" smtClean="0"/>
-              <a:t>대화 </a:t>
+              <a:t>캐릭터 대화 </a:t>
             </a:r>
             <a:r>
               <a:rPr lang="en-US" altLang="ko-KR" dirty="0" smtClean="0"/>
@@ -5347,6 +5343,129 @@
           </a:p>
         </p:txBody>
       </p:sp>
+      <p:sp>
+        <p:nvSpPr>
+          <p:cNvPr id="19" name="직사각형 18"/>
+          <p:cNvSpPr/>
+          <p:nvPr/>
+        </p:nvSpPr>
+        <p:spPr>
+          <a:xfrm>
+            <a:off x="368136" y="4065006"/>
+            <a:ext cx="3881429" cy="2190939"/>
+          </a:xfrm>
+          <a:prstGeom prst="rect">
+            <a:avLst/>
+          </a:prstGeom>
+          <a:solidFill>
+            <a:schemeClr val="tx1"/>
+          </a:solidFill>
+        </p:spPr>
+        <p:style>
+          <a:lnRef idx="2">
+            <a:schemeClr val="accent1">
+              <a:shade val="50000"/>
+            </a:schemeClr>
+          </a:lnRef>
+          <a:fillRef idx="1">
+            <a:schemeClr val="accent1"/>
+          </a:fillRef>
+          <a:effectRef idx="0">
+            <a:schemeClr val="accent1"/>
+          </a:effectRef>
+          <a:fontRef idx="minor">
+            <a:schemeClr val="lt1"/>
+          </a:fontRef>
+        </p:style>
+        <p:txBody>
+          <a:bodyPr rtlCol="0" anchor="ctr"/>
+          <a:lstStyle/>
+          <a:p>
+            <a:pPr algn="ctr"/>
+            <a:r>
+              <a:rPr lang="en-US" altLang="ko-KR" dirty="0" smtClean="0"/>
+              <a:t>1</a:t>
+            </a:r>
+            <a:r>
+              <a:rPr lang="ko-KR" altLang="en-US" dirty="0" smtClean="0"/>
+              <a:t>차 프로토 타입에서 </a:t>
+            </a:r>
+            <a:endParaRPr lang="en-US" altLang="ko-KR" dirty="0" smtClean="0"/>
+          </a:p>
+          <a:p>
+            <a:pPr algn="ctr"/>
+            <a:r>
+              <a:rPr lang="ko-KR" altLang="en-US" dirty="0" smtClean="0"/>
+              <a:t>원활한 진행을 위하여 </a:t>
+            </a:r>
+            <a:endParaRPr lang="en-US" altLang="ko-KR" dirty="0" smtClean="0"/>
+          </a:p>
+          <a:p>
+            <a:pPr algn="ctr"/>
+            <a:r>
+              <a:rPr lang="ko-KR" altLang="en-US" dirty="0" smtClean="0"/>
+              <a:t>터치보드에 입력된 값이 없어도</a:t>
+            </a:r>
+            <a:endParaRPr lang="en-US" altLang="ko-KR" dirty="0" smtClean="0"/>
+          </a:p>
+          <a:p>
+            <a:pPr algn="ctr"/>
+            <a:r>
+              <a:rPr lang="ko-KR" altLang="en-US" dirty="0" smtClean="0"/>
+              <a:t> </a:t>
+            </a:r>
+            <a:r>
+              <a:rPr lang="en-US" altLang="ko-KR" dirty="0" smtClean="0"/>
+              <a:t>“</a:t>
+            </a:r>
+            <a:r>
+              <a:rPr lang="ko-KR" altLang="en-US" dirty="0" smtClean="0"/>
+              <a:t>적용</a:t>
+            </a:r>
+            <a:r>
+              <a:rPr lang="en-US" altLang="ko-KR" dirty="0" smtClean="0"/>
+              <a:t>＂</a:t>
+            </a:r>
+            <a:r>
+              <a:rPr lang="ko-KR" altLang="en-US" dirty="0" smtClean="0"/>
+              <a:t>버튼을 누르면 게임이 진행 되도록</a:t>
+            </a:r>
+            <a:r>
+              <a:rPr lang="en-US" altLang="ko-KR" dirty="0" smtClean="0"/>
+              <a:t>(</a:t>
+            </a:r>
+            <a:r>
+              <a:rPr lang="ko-KR" altLang="en-US" dirty="0" smtClean="0"/>
+              <a:t>호감도 상승</a:t>
+            </a:r>
+            <a:r>
+              <a:rPr lang="en-US" altLang="ko-KR" dirty="0" smtClean="0"/>
+              <a:t>, </a:t>
+            </a:r>
+            <a:r>
+              <a:rPr lang="ko-KR" altLang="en-US" dirty="0" smtClean="0"/>
+              <a:t>캐릭터 대사 </a:t>
+            </a:r>
+            <a:r>
+              <a:rPr lang="en-US" altLang="ko-KR" dirty="0" smtClean="0"/>
+              <a:t>UI </a:t>
+            </a:r>
+            <a:r>
+              <a:rPr lang="ko-KR" altLang="en-US" dirty="0" smtClean="0"/>
+              <a:t>출력만 적용</a:t>
+            </a:r>
+            <a:r>
+              <a:rPr lang="en-US" altLang="ko-KR" dirty="0" smtClean="0"/>
+              <a:t>)</a:t>
+            </a:r>
+            <a:r>
+              <a:rPr lang="ko-KR" altLang="en-US" dirty="0" smtClean="0"/>
+              <a:t> 설정함</a:t>
+            </a:r>
+            <a:endParaRPr lang="ko-KR" altLang="en-US" dirty="0"/>
+          </a:p>
+        </p:txBody>
+      </p:sp>
     </p:spTree>
     <p:extLst>
       <p:ext uri="{BB962C8B-B14F-4D97-AF65-F5344CB8AC3E}">
@@ -5415,11 +5534,7 @@
             <a:pPr algn="ctr"/>
             <a:r>
               <a:rPr lang="ko-KR" altLang="en-US" dirty="0" smtClean="0"/>
-              <a:t>캐릭터 </a:t>
-            </a:r>
-            <a:r>
-              <a:rPr lang="ko-KR" altLang="en-US" dirty="0" smtClean="0"/>
-              <a:t>대화 </a:t>
+              <a:t>캐릭터 대화 </a:t>
             </a:r>
             <a:r>
               <a:rPr lang="en-US" altLang="ko-KR" dirty="0" smtClean="0"/>
@@ -11073,7 +11188,6 @@
               <a:rPr lang="en-US" altLang="ko-KR" dirty="0" smtClean="0"/>
               <a:t>. </a:t>
             </a:r>
-            <a:endParaRPr lang="en-US" altLang="ko-KR" dirty="0" smtClean="0"/>
           </a:p>
         </p:txBody>
       </p:sp>

--- a/00.기획서/221020_팝업UI시스템 기획서_V100.pptx
+++ b/00.기획서/221020_팝업UI시스템 기획서_V100.pptx
@@ -254,7 +254,7 @@
           <a:p>
             <a:fld id="{23371DCC-86D8-407E-BFE8-EAA3C6A0F810}" type="datetimeFigureOut">
               <a:rPr lang="ko-KR" altLang="en-US" smtClean="0"/>
-              <a:t>2022-10-24</a:t>
+              <a:t>2022-10-26</a:t>
             </a:fld>
             <a:endParaRPr lang="ko-KR" altLang="en-US"/>
           </a:p>
@@ -424,7 +424,7 @@
           <a:p>
             <a:fld id="{23371DCC-86D8-407E-BFE8-EAA3C6A0F810}" type="datetimeFigureOut">
               <a:rPr lang="ko-KR" altLang="en-US" smtClean="0"/>
-              <a:t>2022-10-24</a:t>
+              <a:t>2022-10-26</a:t>
             </a:fld>
             <a:endParaRPr lang="ko-KR" altLang="en-US"/>
           </a:p>
@@ -604,7 +604,7 @@
           <a:p>
             <a:fld id="{23371DCC-86D8-407E-BFE8-EAA3C6A0F810}" type="datetimeFigureOut">
               <a:rPr lang="ko-KR" altLang="en-US" smtClean="0"/>
-              <a:t>2022-10-24</a:t>
+              <a:t>2022-10-26</a:t>
             </a:fld>
             <a:endParaRPr lang="ko-KR" altLang="en-US"/>
           </a:p>
@@ -774,7 +774,7 @@
           <a:p>
             <a:fld id="{23371DCC-86D8-407E-BFE8-EAA3C6A0F810}" type="datetimeFigureOut">
               <a:rPr lang="ko-KR" altLang="en-US" smtClean="0"/>
-              <a:t>2022-10-24</a:t>
+              <a:t>2022-10-26</a:t>
             </a:fld>
             <a:endParaRPr lang="ko-KR" altLang="en-US"/>
           </a:p>
@@ -1020,7 +1020,7 @@
           <a:p>
             <a:fld id="{23371DCC-86D8-407E-BFE8-EAA3C6A0F810}" type="datetimeFigureOut">
               <a:rPr lang="ko-KR" altLang="en-US" smtClean="0"/>
-              <a:t>2022-10-24</a:t>
+              <a:t>2022-10-26</a:t>
             </a:fld>
             <a:endParaRPr lang="ko-KR" altLang="en-US"/>
           </a:p>
@@ -1252,7 +1252,7 @@
           <a:p>
             <a:fld id="{23371DCC-86D8-407E-BFE8-EAA3C6A0F810}" type="datetimeFigureOut">
               <a:rPr lang="ko-KR" altLang="en-US" smtClean="0"/>
-              <a:t>2022-10-24</a:t>
+              <a:t>2022-10-26</a:t>
             </a:fld>
             <a:endParaRPr lang="ko-KR" altLang="en-US"/>
           </a:p>
@@ -1619,7 +1619,7 @@
           <a:p>
             <a:fld id="{23371DCC-86D8-407E-BFE8-EAA3C6A0F810}" type="datetimeFigureOut">
               <a:rPr lang="ko-KR" altLang="en-US" smtClean="0"/>
-              <a:t>2022-10-24</a:t>
+              <a:t>2022-10-26</a:t>
             </a:fld>
             <a:endParaRPr lang="ko-KR" altLang="en-US"/>
           </a:p>
@@ -1737,7 +1737,7 @@
           <a:p>
             <a:fld id="{23371DCC-86D8-407E-BFE8-EAA3C6A0F810}" type="datetimeFigureOut">
               <a:rPr lang="ko-KR" altLang="en-US" smtClean="0"/>
-              <a:t>2022-10-24</a:t>
+              <a:t>2022-10-26</a:t>
             </a:fld>
             <a:endParaRPr lang="ko-KR" altLang="en-US"/>
           </a:p>
@@ -1832,7 +1832,7 @@
           <a:p>
             <a:fld id="{23371DCC-86D8-407E-BFE8-EAA3C6A0F810}" type="datetimeFigureOut">
               <a:rPr lang="ko-KR" altLang="en-US" smtClean="0"/>
-              <a:t>2022-10-24</a:t>
+              <a:t>2022-10-26</a:t>
             </a:fld>
             <a:endParaRPr lang="ko-KR" altLang="en-US"/>
           </a:p>
@@ -2109,7 +2109,7 @@
           <a:p>
             <a:fld id="{23371DCC-86D8-407E-BFE8-EAA3C6A0F810}" type="datetimeFigureOut">
               <a:rPr lang="ko-KR" altLang="en-US" smtClean="0"/>
-              <a:t>2022-10-24</a:t>
+              <a:t>2022-10-26</a:t>
             </a:fld>
             <a:endParaRPr lang="ko-KR" altLang="en-US"/>
           </a:p>
@@ -2362,7 +2362,7 @@
           <a:p>
             <a:fld id="{23371DCC-86D8-407E-BFE8-EAA3C6A0F810}" type="datetimeFigureOut">
               <a:rPr lang="ko-KR" altLang="en-US" smtClean="0"/>
-              <a:t>2022-10-24</a:t>
+              <a:t>2022-10-26</a:t>
             </a:fld>
             <a:endParaRPr lang="ko-KR" altLang="en-US"/>
           </a:p>
@@ -2575,7 +2575,7 @@
           <a:p>
             <a:fld id="{23371DCC-86D8-407E-BFE8-EAA3C6A0F810}" type="datetimeFigureOut">
               <a:rPr lang="ko-KR" altLang="en-US" smtClean="0"/>
-              <a:t>2022-10-24</a:t>
+              <a:t>2022-10-26</a:t>
             </a:fld>
             <a:endParaRPr lang="ko-KR" altLang="en-US"/>
           </a:p>
@@ -7224,7 +7224,11 @@
           <a:p>
             <a:r>
               <a:rPr lang="ko-KR" altLang="en-US" dirty="0" smtClean="0"/>
-              <a:t>해당 팝업은 실제 건물과 맞물리는데에 성공하면 사라진다</a:t>
+              <a:t>해당 팝업은 </a:t>
+            </a:r>
+            <a:r>
+              <a:rPr lang="ko-KR" altLang="en-US" dirty="0" smtClean="0"/>
+              <a:t>바닥 인식이 성공했을 때 생성된다</a:t>
             </a:r>
             <a:r>
               <a:rPr lang="en-US" altLang="ko-KR" dirty="0" smtClean="0"/>
@@ -7287,7 +7291,7 @@
         <p:spPr>
           <a:xfrm>
             <a:off x="8360410" y="2526030"/>
-            <a:ext cx="3632200" cy="646331"/>
+            <a:ext cx="3632200" cy="1754326"/>
           </a:xfrm>
           <a:prstGeom prst="rect">
             <a:avLst/>
@@ -7301,12 +7305,62 @@
           <a:lstStyle/>
           <a:p>
             <a:r>
-              <a:rPr lang="ko-KR" altLang="en-US" dirty="0" smtClean="0"/>
-              <a:t>해당 팝업은 실제 건물과 맞물리는데에 성공하면 사라진다</a:t>
+              <a:rPr lang="en-US" altLang="ko-KR" dirty="0" smtClean="0"/>
+              <a:t>a. </a:t>
+            </a:r>
+            <a:r>
+              <a:rPr lang="ko-KR" altLang="en-US" dirty="0" smtClean="0"/>
+              <a:t>가상의 오브젝트가 </a:t>
+            </a:r>
+            <a:r>
+              <a:rPr lang="ko-KR" altLang="en-US" dirty="0" smtClean="0"/>
+              <a:t>실제 건물과 </a:t>
+            </a:r>
+            <a:r>
+              <a:rPr lang="ko-KR" altLang="en-US" dirty="0" smtClean="0"/>
+              <a:t>맞물릴 수 있도록 조정할 </a:t>
+            </a:r>
+            <a:r>
+              <a:rPr lang="ko-KR" altLang="en-US" dirty="0" err="1" smtClean="0"/>
+              <a:t>수있는</a:t>
+            </a:r>
+            <a:r>
+              <a:rPr lang="ko-KR" altLang="en-US" dirty="0" smtClean="0"/>
+              <a:t> 버튼이다</a:t>
             </a:r>
             <a:r>
               <a:rPr lang="en-US" altLang="ko-KR" dirty="0" smtClean="0"/>
               <a:t>. </a:t>
+            </a:r>
+          </a:p>
+          <a:p>
+            <a:r>
+              <a:rPr lang="en-US" altLang="ko-KR" dirty="0" smtClean="0"/>
+              <a:t>b. </a:t>
+            </a:r>
+            <a:r>
+              <a:rPr lang="ko-KR" altLang="en-US" dirty="0" smtClean="0"/>
+              <a:t>좌측 버튼을 누르면 왼쪽으로 </a:t>
+            </a:r>
+            <a:r>
+              <a:rPr lang="en-US" altLang="ko-KR" dirty="0" smtClean="0"/>
+              <a:t>??cm </a:t>
+            </a:r>
+            <a:r>
+              <a:rPr lang="ko-KR" altLang="en-US" dirty="0" smtClean="0"/>
+              <a:t>이동하고 우측 버튼을 누르면 오른쪽으로 </a:t>
+            </a:r>
+            <a:r>
+              <a:rPr lang="en-US" altLang="ko-KR" dirty="0" smtClean="0"/>
+              <a:t>??cm </a:t>
+            </a:r>
+            <a:r>
+              <a:rPr lang="ko-KR" altLang="en-US" dirty="0" smtClean="0"/>
+              <a:t>이동한다</a:t>
+            </a:r>
+            <a:r>
+              <a:rPr lang="ko-KR" altLang="en-US" dirty="0" smtClean="0"/>
+              <a:t> </a:t>
             </a:r>
             <a:endParaRPr lang="ko-KR" altLang="en-US" dirty="0"/>
           </a:p>
@@ -7533,6 +7587,237 @@
               <a:t>2</a:t>
             </a:r>
             <a:endParaRPr lang="ko-KR" altLang="en-US" dirty="0"/>
+          </a:p>
+        </p:txBody>
+      </p:sp>
+      <p:sp>
+        <p:nvSpPr>
+          <p:cNvPr id="8" name="직사각형 7"/>
+          <p:cNvSpPr/>
+          <p:nvPr/>
+        </p:nvSpPr>
+        <p:spPr>
+          <a:xfrm>
+            <a:off x="5323438" y="5413972"/>
+            <a:ext cx="1231667" cy="606582"/>
+          </a:xfrm>
+          <a:prstGeom prst="rect">
+            <a:avLst/>
+          </a:prstGeom>
+        </p:spPr>
+        <p:style>
+          <a:lnRef idx="2">
+            <a:schemeClr val="accent1">
+              <a:shade val="50000"/>
+            </a:schemeClr>
+          </a:lnRef>
+          <a:fillRef idx="1">
+            <a:schemeClr val="accent1"/>
+          </a:fillRef>
+          <a:effectRef idx="0">
+            <a:schemeClr val="accent1"/>
+          </a:effectRef>
+          <a:fontRef idx="minor">
+            <a:schemeClr val="lt1"/>
+          </a:fontRef>
+        </p:style>
+        <p:txBody>
+          <a:bodyPr rtlCol="0" anchor="ctr"/>
+          <a:lstStyle/>
+          <a:p>
+            <a:pPr algn="ctr"/>
+            <a:r>
+              <a:rPr lang="ko-KR" altLang="en-US" dirty="0" smtClean="0"/>
+              <a:t>확인</a:t>
+            </a:r>
+            <a:endParaRPr lang="ko-KR" altLang="en-US" dirty="0"/>
+          </a:p>
+        </p:txBody>
+      </p:sp>
+      <p:sp>
+        <p:nvSpPr>
+          <p:cNvPr id="20" name="직사각형 19"/>
+          <p:cNvSpPr/>
+          <p:nvPr/>
+        </p:nvSpPr>
+        <p:spPr>
+          <a:xfrm>
+            <a:off x="5250179" y="5340399"/>
+            <a:ext cx="1386011" cy="761637"/>
+          </a:xfrm>
+          <a:prstGeom prst="rect">
+            <a:avLst/>
+          </a:prstGeom>
+          <a:noFill/>
+          <a:ln w="38100">
+            <a:solidFill>
+              <a:schemeClr val="tx1"/>
+            </a:solidFill>
+          </a:ln>
+        </p:spPr>
+        <p:style>
+          <a:lnRef idx="2">
+            <a:schemeClr val="accent1">
+              <a:shade val="50000"/>
+            </a:schemeClr>
+          </a:lnRef>
+          <a:fillRef idx="1">
+            <a:schemeClr val="accent1"/>
+          </a:fillRef>
+          <a:effectRef idx="0">
+            <a:schemeClr val="accent1"/>
+          </a:effectRef>
+          <a:fontRef idx="minor">
+            <a:schemeClr val="lt1"/>
+          </a:fontRef>
+        </p:style>
+        <p:txBody>
+          <a:bodyPr rtlCol="0" anchor="ctr"/>
+          <a:lstStyle/>
+          <a:p>
+            <a:pPr algn="ctr"/>
+            <a:endParaRPr lang="ko-KR" altLang="en-US"/>
+          </a:p>
+        </p:txBody>
+      </p:sp>
+      <p:sp>
+        <p:nvSpPr>
+          <p:cNvPr id="21" name="타원 20"/>
+          <p:cNvSpPr/>
+          <p:nvPr/>
+        </p:nvSpPr>
+        <p:spPr>
+          <a:xfrm>
+            <a:off x="4931561" y="5149154"/>
+            <a:ext cx="459740" cy="431899"/>
+          </a:xfrm>
+          <a:prstGeom prst="ellipse">
+            <a:avLst/>
+          </a:prstGeom>
+        </p:spPr>
+        <p:style>
+          <a:lnRef idx="2">
+            <a:schemeClr val="dk1">
+              <a:shade val="50000"/>
+            </a:schemeClr>
+          </a:lnRef>
+          <a:fillRef idx="1">
+            <a:schemeClr val="dk1"/>
+          </a:fillRef>
+          <a:effectRef idx="0">
+            <a:schemeClr val="dk1"/>
+          </a:effectRef>
+          <a:fontRef idx="minor">
+            <a:schemeClr val="lt1"/>
+          </a:fontRef>
+        </p:style>
+        <p:txBody>
+          <a:bodyPr rtlCol="0" anchor="ctr"/>
+          <a:lstStyle/>
+          <a:p>
+            <a:pPr algn="ctr"/>
+            <a:r>
+              <a:rPr lang="en-US" altLang="ko-KR" dirty="0" smtClean="0"/>
+              <a:t>3</a:t>
+            </a:r>
+            <a:endParaRPr lang="ko-KR" altLang="en-US" dirty="0"/>
+          </a:p>
+        </p:txBody>
+      </p:sp>
+      <p:sp>
+        <p:nvSpPr>
+          <p:cNvPr id="22" name="타원 21"/>
+          <p:cNvSpPr/>
+          <p:nvPr/>
+        </p:nvSpPr>
+        <p:spPr>
+          <a:xfrm>
+            <a:off x="7910830" y="4439736"/>
+            <a:ext cx="459740" cy="431899"/>
+          </a:xfrm>
+          <a:prstGeom prst="ellipse">
+            <a:avLst/>
+          </a:prstGeom>
+        </p:spPr>
+        <p:style>
+          <a:lnRef idx="2">
+            <a:schemeClr val="dk1">
+              <a:shade val="50000"/>
+            </a:schemeClr>
+          </a:lnRef>
+          <a:fillRef idx="1">
+            <a:schemeClr val="dk1"/>
+          </a:fillRef>
+          <a:effectRef idx="0">
+            <a:schemeClr val="dk1"/>
+          </a:effectRef>
+          <a:fontRef idx="minor">
+            <a:schemeClr val="lt1"/>
+          </a:fontRef>
+        </p:style>
+        <p:txBody>
+          <a:bodyPr rtlCol="0" anchor="ctr"/>
+          <a:lstStyle/>
+          <a:p>
+            <a:pPr algn="ctr"/>
+            <a:r>
+              <a:rPr lang="en-US" altLang="ko-KR" dirty="0" smtClean="0"/>
+              <a:t>3</a:t>
+            </a:r>
+            <a:endParaRPr lang="ko-KR" altLang="en-US" dirty="0"/>
+          </a:p>
+        </p:txBody>
+      </p:sp>
+      <p:sp>
+        <p:nvSpPr>
+          <p:cNvPr id="23" name="TextBox 22"/>
+          <p:cNvSpPr txBox="1"/>
+          <p:nvPr/>
+        </p:nvSpPr>
+        <p:spPr>
+          <a:xfrm>
+            <a:off x="8370570" y="4432637"/>
+            <a:ext cx="3632200" cy="646331"/>
+          </a:xfrm>
+          <a:prstGeom prst="rect">
+            <a:avLst/>
+          </a:prstGeom>
+          <a:noFill/>
+        </p:spPr>
+        <p:txBody>
+          <a:bodyPr wrap="square" rtlCol="0">
+            <a:spAutoFit/>
+          </a:bodyPr>
+          <a:lstStyle/>
+          <a:p>
+            <a:r>
+              <a:rPr lang="en-US" altLang="ko-KR" dirty="0" smtClean="0"/>
+              <a:t>a. </a:t>
+            </a:r>
+            <a:r>
+              <a:rPr lang="ko-KR" altLang="en-US" dirty="0" smtClean="0"/>
+              <a:t>버튼을 누르면 건물</a:t>
+            </a:r>
+            <a:r>
+              <a:rPr lang="en-US" altLang="ko-KR" dirty="0" smtClean="0"/>
+              <a:t>&amp;</a:t>
+            </a:r>
+            <a:r>
+              <a:rPr lang="ko-KR" altLang="en-US" dirty="0" smtClean="0"/>
+              <a:t>지면 인식 </a:t>
+            </a:r>
+            <a:r>
+              <a:rPr lang="en-US" altLang="ko-KR" dirty="0" smtClean="0"/>
+              <a:t>UI</a:t>
+            </a:r>
+            <a:r>
+              <a:rPr lang="ko-KR" altLang="en-US" dirty="0" smtClean="0"/>
+              <a:t>가 사라지고 이벤트가 발생한다</a:t>
+            </a:r>
+            <a:r>
+              <a:rPr lang="en-US" altLang="ko-KR" dirty="0" smtClean="0"/>
+              <a:t>.</a:t>
+            </a:r>
           </a:p>
         </p:txBody>
       </p:sp>
